--- a/slides.pptx
+++ b/slides.pptx
@@ -6,7 +6,7 @@
     <p:sldMasterId id="2147483661" r:id="rId2"/>
   </p:sldMasterIdLst>
   <p:notesMasterIdLst>
-    <p:notesMasterId r:id="rId17"/>
+    <p:notesMasterId r:id="rId19"/>
   </p:notesMasterIdLst>
   <p:sldIdLst>
     <p:sldId id="256" r:id="rId3"/>
@@ -14,15 +14,17 @@
     <p:sldId id="260" r:id="rId5"/>
     <p:sldId id="276" r:id="rId6"/>
     <p:sldId id="277" r:id="rId7"/>
-    <p:sldId id="278" r:id="rId8"/>
-    <p:sldId id="279" r:id="rId9"/>
-    <p:sldId id="280" r:id="rId10"/>
-    <p:sldId id="281" r:id="rId11"/>
-    <p:sldId id="282" r:id="rId12"/>
-    <p:sldId id="283" r:id="rId13"/>
-    <p:sldId id="272" r:id="rId14"/>
-    <p:sldId id="273" r:id="rId15"/>
-    <p:sldId id="284" r:id="rId16"/>
+    <p:sldId id="287" r:id="rId8"/>
+    <p:sldId id="278" r:id="rId9"/>
+    <p:sldId id="279" r:id="rId10"/>
+    <p:sldId id="280" r:id="rId11"/>
+    <p:sldId id="281" r:id="rId12"/>
+    <p:sldId id="282" r:id="rId13"/>
+    <p:sldId id="283" r:id="rId14"/>
+    <p:sldId id="272" r:id="rId15"/>
+    <p:sldId id="273" r:id="rId16"/>
+    <p:sldId id="284" r:id="rId17"/>
+    <p:sldId id="286" r:id="rId18"/>
   </p:sldIdLst>
   <p:sldSz cx="12192000" cy="6858000"/>
   <p:notesSz cx="6858000" cy="9144000"/>
@@ -124,7 +126,7 @@
   <p:extLst>
     <p:ext uri="{521415D9-36F7-43E2-AB2F-B90AF26B5E84}">
       <p14:sectionLst xmlns:p14="http://schemas.microsoft.com/office/powerpoint/2010/main">
-        <p14:section name="Default Section" id="{5FFC1721-7C63-4CED-8024-120D126564D0}">
+        <p14:section name="Начало" id="{5FFC1721-7C63-4CED-8024-120D126564D0}">
           <p14:sldIdLst>
             <p14:sldId id="256"/>
           </p14:sldIdLst>
@@ -139,15 +141,25 @@
           <p14:sldIdLst>
             <p14:sldId id="276"/>
             <p14:sldId id="277"/>
+            <p14:sldId id="287"/>
             <p14:sldId id="278"/>
             <p14:sldId id="279"/>
             <p14:sldId id="280"/>
             <p14:sldId id="281"/>
+          </p14:sldIdLst>
+        </p14:section>
+        <p14:section name="Заключение" id="{0AF1562C-F869-442C-BAE8-173598BD5071}">
+          <p14:sldIdLst>
             <p14:sldId id="282"/>
             <p14:sldId id="283"/>
+          </p14:sldIdLst>
+        </p14:section>
+        <p14:section name="Въпроси" id="{2375E1BC-1D35-41EF-81F7-6B4103D9332F}">
+          <p14:sldIdLst>
             <p14:sldId id="272"/>
             <p14:sldId id="273"/>
             <p14:sldId id="284"/>
+            <p14:sldId id="286"/>
           </p14:sldIdLst>
         </p14:section>
       </p14:sectionLst>
@@ -693,6 +705,10 @@
           <a:bodyPr/>
           <a:lstStyle/>
           <a:p>
+            <a:r>
+              <a:rPr lang="bg-BG" dirty="0" smtClean="0"/>
+              <a:t>Видео</a:t>
+            </a:r>
             <a:endParaRPr lang="en-US" dirty="0"/>
           </a:p>
         </p:txBody>
@@ -714,7 +730,91 @@
           <a:p>
             <a:fld id="{0A948361-E8AC-478D-A17E-F9AD57153299}" type="slidenum">
               <a:rPr lang="en-GB" smtClean="0"/>
-              <a:t>11</a:t>
+              <a:t>9</a:t>
+            </a:fld>
+            <a:endParaRPr lang="en-GB"/>
+          </a:p>
+        </p:txBody>
+      </p:sp>
+    </p:spTree>
+    <p:extLst>
+      <p:ext uri="{BB962C8B-B14F-4D97-AF65-F5344CB8AC3E}">
+        <p14:creationId xmlns:p14="http://schemas.microsoft.com/office/powerpoint/2010/main" val="1847729541"/>
+      </p:ext>
+    </p:extLst>
+  </p:cSld>
+  <p:clrMapOvr>
+    <a:masterClrMapping/>
+  </p:clrMapOvr>
+</p:notes>
+</file>
+
+<file path=ppt/notesSlides/notesSlide3.xml><?xml version="1.0" encoding="utf-8"?>
+<p:notes xmlns:a="http://schemas.openxmlformats.org/drawingml/2006/main" xmlns:r="http://schemas.openxmlformats.org/officeDocument/2006/relationships" xmlns:p="http://schemas.openxmlformats.org/presentationml/2006/main">
+  <p:cSld>
+    <p:spTree>
+      <p:nvGrpSpPr>
+        <p:cNvPr id="1" name=""/>
+        <p:cNvGrpSpPr/>
+        <p:nvPr/>
+      </p:nvGrpSpPr>
+      <p:grpSpPr>
+        <a:xfrm>
+          <a:off x="0" y="0"/>
+          <a:ext cx="0" cy="0"/>
+          <a:chOff x="0" y="0"/>
+          <a:chExt cx="0" cy="0"/>
+        </a:xfrm>
+      </p:grpSpPr>
+      <p:sp>
+        <p:nvSpPr>
+          <p:cNvPr id="2" name="Slide Image Placeholder 1"/>
+          <p:cNvSpPr>
+            <a:spLocks noGrp="1" noRot="1" noChangeAspect="1"/>
+          </p:cNvSpPr>
+          <p:nvPr>
+            <p:ph type="sldImg"/>
+          </p:nvPr>
+        </p:nvSpPr>
+        <p:spPr/>
+      </p:sp>
+      <p:sp>
+        <p:nvSpPr>
+          <p:cNvPr id="3" name="Notes Placeholder 2"/>
+          <p:cNvSpPr>
+            <a:spLocks noGrp="1"/>
+          </p:cNvSpPr>
+          <p:nvPr>
+            <p:ph type="body" idx="1"/>
+          </p:nvPr>
+        </p:nvSpPr>
+        <p:spPr/>
+        <p:txBody>
+          <a:bodyPr/>
+          <a:lstStyle/>
+          <a:p>
+            <a:endParaRPr lang="en-US" dirty="0"/>
+          </a:p>
+        </p:txBody>
+      </p:sp>
+      <p:sp>
+        <p:nvSpPr>
+          <p:cNvPr id="4" name="Slide Number Placeholder 3"/>
+          <p:cNvSpPr>
+            <a:spLocks noGrp="1"/>
+          </p:cNvSpPr>
+          <p:nvPr>
+            <p:ph type="sldNum" sz="quarter" idx="10"/>
+          </p:nvPr>
+        </p:nvSpPr>
+        <p:spPr/>
+        <p:txBody>
+          <a:bodyPr/>
+          <a:lstStyle/>
+          <a:p>
+            <a:fld id="{0A948361-E8AC-478D-A17E-F9AD57153299}" type="slidenum">
+              <a:rPr lang="en-GB" smtClean="0"/>
+              <a:t>12</a:t>
             </a:fld>
             <a:endParaRPr lang="en-GB"/>
           </a:p>
@@ -724,6 +824,364 @@
     <p:extLst>
       <p:ext uri="{BB962C8B-B14F-4D97-AF65-F5344CB8AC3E}">
         <p14:creationId xmlns:p14="http://schemas.microsoft.com/office/powerpoint/2010/main" val="2102866395"/>
+      </p:ext>
+    </p:extLst>
+  </p:cSld>
+  <p:clrMapOvr>
+    <a:masterClrMapping/>
+  </p:clrMapOvr>
+</p:notes>
+</file>
+
+<file path=ppt/notesSlides/notesSlide4.xml><?xml version="1.0" encoding="utf-8"?>
+<p:notes xmlns:a="http://schemas.openxmlformats.org/drawingml/2006/main" xmlns:r="http://schemas.openxmlformats.org/officeDocument/2006/relationships" xmlns:p="http://schemas.openxmlformats.org/presentationml/2006/main">
+  <p:cSld>
+    <p:spTree>
+      <p:nvGrpSpPr>
+        <p:cNvPr id="1" name=""/>
+        <p:cNvGrpSpPr/>
+        <p:nvPr/>
+      </p:nvGrpSpPr>
+      <p:grpSpPr>
+        <a:xfrm>
+          <a:off x="0" y="0"/>
+          <a:ext cx="0" cy="0"/>
+          <a:chOff x="0" y="0"/>
+          <a:chExt cx="0" cy="0"/>
+        </a:xfrm>
+      </p:grpSpPr>
+      <p:sp>
+        <p:nvSpPr>
+          <p:cNvPr id="2" name="Slide Image Placeholder 1"/>
+          <p:cNvSpPr>
+            <a:spLocks noGrp="1" noRot="1" noChangeAspect="1"/>
+          </p:cNvSpPr>
+          <p:nvPr>
+            <p:ph type="sldImg"/>
+          </p:nvPr>
+        </p:nvSpPr>
+        <p:spPr/>
+      </p:sp>
+      <p:sp>
+        <p:nvSpPr>
+          <p:cNvPr id="3" name="Notes Placeholder 2"/>
+          <p:cNvSpPr>
+            <a:spLocks noGrp="1"/>
+          </p:cNvSpPr>
+          <p:nvPr>
+            <p:ph type="body" idx="1"/>
+          </p:nvPr>
+        </p:nvSpPr>
+        <p:spPr/>
+        <p:txBody>
+          <a:bodyPr/>
+          <a:lstStyle/>
+          <a:p>
+            <a:pPr marL="0" marR="0" lvl="0" indent="0" algn="l" defTabSz="914400" rtl="0" eaLnBrk="1" fontAlgn="auto" latinLnBrk="0" hangingPunct="1">
+              <a:lnSpc>
+                <a:spcPct val="100000"/>
+              </a:lnSpc>
+              <a:spcBef>
+                <a:spcPts val="0"/>
+              </a:spcBef>
+              <a:spcAft>
+                <a:spcPts val="0"/>
+              </a:spcAft>
+              <a:buClrTx/>
+              <a:buSzTx/>
+              <a:buFontTx/>
+              <a:buNone/>
+              <a:tabLst/>
+              <a:defRPr/>
+            </a:pPr>
+            <a:r>
+              <a:rPr lang="en-GB" dirty="0" smtClean="0">
+                <a:hlinkClick r:id="rId3"/>
+              </a:rPr>
+              <a:t>https://developers.facebook.com/tools/explorer/145634995501895/?method=GET&amp;path=ObshtinaBlagoevgrad%2Fposts&amp;version=v2.6</a:t>
+            </a:r>
+            <a:endParaRPr lang="en-GB" dirty="0" smtClean="0"/>
+          </a:p>
+          <a:p>
+            <a:r>
+              <a:rPr lang="bg-BG" dirty="0" smtClean="0"/>
+              <a:t>Използва</a:t>
+            </a:r>
+            <a:r>
+              <a:rPr lang="bg-BG" baseline="0" dirty="0" smtClean="0"/>
+              <a:t> се .</a:t>
+            </a:r>
+            <a:r>
+              <a:rPr lang="en-US" baseline="0" dirty="0" smtClean="0"/>
+              <a:t>Net </a:t>
+            </a:r>
+            <a:r>
+              <a:rPr lang="bg-BG" baseline="0" dirty="0" smtClean="0"/>
+              <a:t>библиотека за работа с </a:t>
+            </a:r>
+            <a:r>
+              <a:rPr lang="en-US" baseline="0" dirty="0" smtClean="0"/>
+              <a:t>Facebook API</a:t>
+            </a:r>
+            <a:endParaRPr lang="en-US" dirty="0"/>
+          </a:p>
+        </p:txBody>
+      </p:sp>
+      <p:sp>
+        <p:nvSpPr>
+          <p:cNvPr id="4" name="Slide Number Placeholder 3"/>
+          <p:cNvSpPr>
+            <a:spLocks noGrp="1"/>
+          </p:cNvSpPr>
+          <p:nvPr>
+            <p:ph type="sldNum" sz="quarter" idx="10"/>
+          </p:nvPr>
+        </p:nvSpPr>
+        <p:spPr/>
+        <p:txBody>
+          <a:bodyPr/>
+          <a:lstStyle/>
+          <a:p>
+            <a:fld id="{0A948361-E8AC-478D-A17E-F9AD57153299}" type="slidenum">
+              <a:rPr lang="en-GB" smtClean="0"/>
+              <a:t>14</a:t>
+            </a:fld>
+            <a:endParaRPr lang="en-GB"/>
+          </a:p>
+        </p:txBody>
+      </p:sp>
+    </p:spTree>
+    <p:extLst>
+      <p:ext uri="{BB962C8B-B14F-4D97-AF65-F5344CB8AC3E}">
+        <p14:creationId xmlns:p14="http://schemas.microsoft.com/office/powerpoint/2010/main" val="4002267298"/>
+      </p:ext>
+    </p:extLst>
+  </p:cSld>
+  <p:clrMapOvr>
+    <a:masterClrMapping/>
+  </p:clrMapOvr>
+</p:notes>
+</file>
+
+<file path=ppt/notesSlides/notesSlide5.xml><?xml version="1.0" encoding="utf-8"?>
+<p:notes xmlns:a="http://schemas.openxmlformats.org/drawingml/2006/main" xmlns:r="http://schemas.openxmlformats.org/officeDocument/2006/relationships" xmlns:p="http://schemas.openxmlformats.org/presentationml/2006/main">
+  <p:cSld>
+    <p:spTree>
+      <p:nvGrpSpPr>
+        <p:cNvPr id="1" name=""/>
+        <p:cNvGrpSpPr/>
+        <p:nvPr/>
+      </p:nvGrpSpPr>
+      <p:grpSpPr>
+        <a:xfrm>
+          <a:off x="0" y="0"/>
+          <a:ext cx="0" cy="0"/>
+          <a:chOff x="0" y="0"/>
+          <a:chExt cx="0" cy="0"/>
+        </a:xfrm>
+      </p:grpSpPr>
+      <p:sp>
+        <p:nvSpPr>
+          <p:cNvPr id="2" name="Slide Image Placeholder 1"/>
+          <p:cNvSpPr>
+            <a:spLocks noGrp="1" noRot="1" noChangeAspect="1"/>
+          </p:cNvSpPr>
+          <p:nvPr>
+            <p:ph type="sldImg"/>
+          </p:nvPr>
+        </p:nvSpPr>
+        <p:spPr/>
+      </p:sp>
+      <p:sp>
+        <p:nvSpPr>
+          <p:cNvPr id="3" name="Notes Placeholder 2"/>
+          <p:cNvSpPr>
+            <a:spLocks noGrp="1"/>
+          </p:cNvSpPr>
+          <p:nvPr>
+            <p:ph type="body" idx="1"/>
+          </p:nvPr>
+        </p:nvSpPr>
+        <p:spPr/>
+        <p:txBody>
+          <a:bodyPr/>
+          <a:lstStyle/>
+          <a:p>
+            <a:r>
+              <a:rPr lang="bg-BG" dirty="0" smtClean="0"/>
+              <a:t>Само</a:t>
+            </a:r>
+            <a:r>
+              <a:rPr lang="bg-BG" baseline="0" dirty="0" smtClean="0"/>
+              <a:t> половината от общините имат страници, а тези, които имат използват различни категории за своето представяне, което прави невъзможно автоматичното намиране на всички общини, които имат представяне в социалната мрежа.</a:t>
+            </a:r>
+          </a:p>
+          <a:p>
+            <a:r>
+              <a:rPr lang="bg-BG" baseline="0" dirty="0" smtClean="0"/>
+              <a:t>Автоматично търсене не може да се реализира и по име на вече въведена община в системата, защото може да има разминаване в изписването на имената, което налага ръчна проверка.</a:t>
+            </a:r>
+            <a:endParaRPr lang="en-US" dirty="0"/>
+          </a:p>
+        </p:txBody>
+      </p:sp>
+      <p:sp>
+        <p:nvSpPr>
+          <p:cNvPr id="4" name="Slide Number Placeholder 3"/>
+          <p:cNvSpPr>
+            <a:spLocks noGrp="1"/>
+          </p:cNvSpPr>
+          <p:nvPr>
+            <p:ph type="sldNum" sz="quarter" idx="10"/>
+          </p:nvPr>
+        </p:nvSpPr>
+        <p:spPr/>
+        <p:txBody>
+          <a:bodyPr/>
+          <a:lstStyle/>
+          <a:p>
+            <a:fld id="{0A948361-E8AC-478D-A17E-F9AD57153299}" type="slidenum">
+              <a:rPr lang="en-GB" smtClean="0"/>
+              <a:t>15</a:t>
+            </a:fld>
+            <a:endParaRPr lang="en-GB"/>
+          </a:p>
+        </p:txBody>
+      </p:sp>
+    </p:spTree>
+    <p:extLst>
+      <p:ext uri="{BB962C8B-B14F-4D97-AF65-F5344CB8AC3E}">
+        <p14:creationId xmlns:p14="http://schemas.microsoft.com/office/powerpoint/2010/main" val="2580551508"/>
+      </p:ext>
+    </p:extLst>
+  </p:cSld>
+  <p:clrMapOvr>
+    <a:masterClrMapping/>
+  </p:clrMapOvr>
+</p:notes>
+</file>
+
+<file path=ppt/notesSlides/notesSlide6.xml><?xml version="1.0" encoding="utf-8"?>
+<p:notes xmlns:a="http://schemas.openxmlformats.org/drawingml/2006/main" xmlns:r="http://schemas.openxmlformats.org/officeDocument/2006/relationships" xmlns:p="http://schemas.openxmlformats.org/presentationml/2006/main">
+  <p:cSld>
+    <p:spTree>
+      <p:nvGrpSpPr>
+        <p:cNvPr id="1" name=""/>
+        <p:cNvGrpSpPr/>
+        <p:nvPr/>
+      </p:nvGrpSpPr>
+      <p:grpSpPr>
+        <a:xfrm>
+          <a:off x="0" y="0"/>
+          <a:ext cx="0" cy="0"/>
+          <a:chOff x="0" y="0"/>
+          <a:chExt cx="0" cy="0"/>
+        </a:xfrm>
+      </p:grpSpPr>
+      <p:sp>
+        <p:nvSpPr>
+          <p:cNvPr id="2" name="Slide Image Placeholder 1"/>
+          <p:cNvSpPr>
+            <a:spLocks noGrp="1" noRot="1" noChangeAspect="1"/>
+          </p:cNvSpPr>
+          <p:nvPr>
+            <p:ph type="sldImg"/>
+          </p:nvPr>
+        </p:nvSpPr>
+        <p:spPr/>
+      </p:sp>
+      <p:sp>
+        <p:nvSpPr>
+          <p:cNvPr id="3" name="Notes Placeholder 2"/>
+          <p:cNvSpPr>
+            <a:spLocks noGrp="1"/>
+          </p:cNvSpPr>
+          <p:nvPr>
+            <p:ph type="body" idx="1"/>
+          </p:nvPr>
+        </p:nvSpPr>
+        <p:spPr/>
+        <p:txBody>
+          <a:bodyPr/>
+          <a:lstStyle/>
+          <a:p>
+            <a:r>
+              <a:rPr lang="bg-BG" dirty="0" smtClean="0"/>
+              <a:t>Автентикацията е</a:t>
+            </a:r>
+            <a:r>
+              <a:rPr lang="bg-BG" baseline="0" dirty="0" smtClean="0"/>
+              <a:t> с потребителско име и парола. </a:t>
+            </a:r>
+          </a:p>
+          <a:p>
+            <a:r>
+              <a:rPr lang="bg-BG" baseline="0" dirty="0" smtClean="0"/>
+              <a:t>Връзката е криптирана със </a:t>
+            </a:r>
+            <a:r>
+              <a:rPr lang="en-US" baseline="0" dirty="0" smtClean="0"/>
+              <a:t>SSL</a:t>
+            </a:r>
+            <a:r>
+              <a:rPr lang="bg-BG" baseline="0" dirty="0" smtClean="0"/>
+              <a:t>.</a:t>
+            </a:r>
+          </a:p>
+          <a:p>
+            <a:r>
+              <a:rPr lang="bg-BG" baseline="0" dirty="0" smtClean="0"/>
+              <a:t>За създаването на електронното писмо се използват класовете от стандартната библиотека на .</a:t>
+            </a:r>
+            <a:r>
+              <a:rPr lang="en-US" baseline="0" dirty="0" smtClean="0"/>
+              <a:t>Net: </a:t>
+            </a:r>
+            <a:r>
+              <a:rPr lang="en-US" sz="1200" kern="1200" dirty="0" smtClean="0">
+                <a:solidFill>
+                  <a:schemeClr val="tx1"/>
+                </a:solidFill>
+                <a:latin typeface="+mn-lt"/>
+                <a:ea typeface="+mn-ea"/>
+                <a:cs typeface="+mn-cs"/>
+              </a:rPr>
+              <a:t>System.Net.Mail </a:t>
+            </a:r>
+            <a:endParaRPr lang="en-US" baseline="0" dirty="0" smtClean="0"/>
+          </a:p>
+          <a:p>
+            <a:endParaRPr lang="en-US" dirty="0"/>
+          </a:p>
+        </p:txBody>
+      </p:sp>
+      <p:sp>
+        <p:nvSpPr>
+          <p:cNvPr id="4" name="Slide Number Placeholder 3"/>
+          <p:cNvSpPr>
+            <a:spLocks noGrp="1"/>
+          </p:cNvSpPr>
+          <p:nvPr>
+            <p:ph type="sldNum" sz="quarter" idx="10"/>
+          </p:nvPr>
+        </p:nvSpPr>
+        <p:spPr/>
+        <p:txBody>
+          <a:bodyPr/>
+          <a:lstStyle/>
+          <a:p>
+            <a:fld id="{0A948361-E8AC-478D-A17E-F9AD57153299}" type="slidenum">
+              <a:rPr lang="en-GB" smtClean="0"/>
+              <a:t>16</a:t>
+            </a:fld>
+            <a:endParaRPr lang="en-GB"/>
+          </a:p>
+        </p:txBody>
+      </p:sp>
+    </p:spTree>
+    <p:extLst>
+      <p:ext uri="{BB962C8B-B14F-4D97-AF65-F5344CB8AC3E}">
+        <p14:creationId xmlns:p14="http://schemas.microsoft.com/office/powerpoint/2010/main" val="1246255205"/>
       </p:ext>
     </p:extLst>
   </p:cSld>
@@ -1067,7 +1525,7 @@
           <a:graphicData uri="http://schemas.openxmlformats.org/presentationml/2006/ole">
             <mc:AlternateContent xmlns:mc="http://schemas.openxmlformats.org/markup-compatibility/2006">
               <mc:Choice xmlns:v="urn:schemas-microsoft-com:vml" Requires="v">
-                <p:oleObj spid="_x0000_s2057" name="Picture" r:id="rId3" imgW="1991868" imgH="2458212" progId="Word.Picture.8">
+                <p:oleObj spid="_x0000_s2061" name="Picture" r:id="rId3" imgW="1991868" imgH="2458212" progId="Word.Picture.8">
                   <p:embed/>
                 </p:oleObj>
               </mc:Choice>
@@ -1877,7 +2335,7 @@
           <a:graphicData uri="http://schemas.openxmlformats.org/presentationml/2006/ole">
             <mc:AlternateContent xmlns:mc="http://schemas.openxmlformats.org/markup-compatibility/2006">
               <mc:Choice xmlns:v="urn:schemas-microsoft-com:vml" Requires="v">
-                <p:oleObj spid="_x0000_s5125" name="Picture" r:id="rId3" imgW="1991868" imgH="2458212" progId="Word.Picture.8">
+                <p:oleObj spid="_x0000_s5129" name="Picture" r:id="rId3" imgW="1991868" imgH="2458212" progId="Word.Picture.8">
                   <p:embed/>
                 </p:oleObj>
               </mc:Choice>
@@ -2504,7 +2962,7 @@
           <a:graphicData uri="http://schemas.openxmlformats.org/presentationml/2006/ole">
             <mc:AlternateContent xmlns:mc="http://schemas.openxmlformats.org/markup-compatibility/2006">
               <mc:Choice xmlns:v="urn:schemas-microsoft-com:vml" Requires="v">
-                <p:oleObj spid="_x0000_s6149" name="Picture" r:id="rId3" imgW="1991868" imgH="2458212" progId="Word.Picture.8">
+                <p:oleObj spid="_x0000_s6153" name="Picture" r:id="rId3" imgW="1991868" imgH="2458212" progId="Word.Picture.8">
                   <p:embed/>
                 </p:oleObj>
               </mc:Choice>
@@ -5216,7 +5674,7 @@
           <a:graphicData uri="http://schemas.openxmlformats.org/presentationml/2006/ole">
             <mc:AlternateContent xmlns:mc="http://schemas.openxmlformats.org/markup-compatibility/2006">
               <mc:Choice xmlns:v="urn:schemas-microsoft-com:vml" Requires="v">
-                <p:oleObj spid="_x0000_s3081" name="Picture" r:id="rId3" imgW="1991868" imgH="2458212" progId="Word.Picture.8">
+                <p:oleObj spid="_x0000_s3085" name="Picture" r:id="rId3" imgW="1991868" imgH="2458212" progId="Word.Picture.8">
                   <p:embed/>
                 </p:oleObj>
               </mc:Choice>
@@ -7316,7 +7774,7 @@
           <a:graphicData uri="http://schemas.openxmlformats.org/presentationml/2006/ole">
             <mc:AlternateContent xmlns:mc="http://schemas.openxmlformats.org/markup-compatibility/2006">
               <mc:Choice xmlns:v="urn:schemas-microsoft-com:vml" Requires="v">
-                <p:oleObj spid="_x0000_s1034" name="Picture" r:id="rId14" imgW="1991868" imgH="2458212" progId="Word.Picture.8">
+                <p:oleObj spid="_x0000_s1038" name="Picture" r:id="rId14" imgW="1991868" imgH="2458212" progId="Word.Picture.8">
                   <p:embed/>
                 </p:oleObj>
               </mc:Choice>
@@ -8186,7 +8644,7 @@
           <a:graphicData uri="http://schemas.openxmlformats.org/presentationml/2006/ole">
             <mc:AlternateContent xmlns:mc="http://schemas.openxmlformats.org/markup-compatibility/2006">
               <mc:Choice xmlns:v="urn:schemas-microsoft-com:vml" Requires="v">
-                <p:oleObj spid="_x0000_s4101" name="Picture" r:id="rId14" imgW="1991868" imgH="2458212" progId="Word.Picture.8">
+                <p:oleObj spid="_x0000_s4105" name="Picture" r:id="rId14" imgW="1991868" imgH="2458212" progId="Word.Picture.8">
                   <p:embed/>
                 </p:oleObj>
               </mc:Choice>
@@ -8709,11 +9167,7 @@
             </a:r>
             <a:r>
               <a:rPr lang="bg-BG" b="1" dirty="0" smtClean="0"/>
-              <a:t>доц. Д-р камен </a:t>
-            </a:r>
-            <a:r>
-              <a:rPr lang="bg-BG" b="1" dirty="0" err="1" smtClean="0"/>
-              <a:t>спасов</a:t>
+              <a:t>доц. Д-р камен спасов</a:t>
             </a:r>
             <a:endParaRPr lang="en-GB" b="1" dirty="0"/>
           </a:p>
@@ -8781,7 +9235,7 @@
       </p:grpSpPr>
       <p:sp>
         <p:nvSpPr>
-          <p:cNvPr id="6" name="Title 5"/>
+          <p:cNvPr id="2" name="Title 1"/>
           <p:cNvSpPr>
             <a:spLocks noGrp="1"/>
           </p:cNvSpPr>
@@ -8796,20 +9250,56 @@
           <a:p>
             <a:r>
               <a:rPr lang="bg-BG" dirty="0" smtClean="0"/>
-              <a:t>Заключение</a:t>
-            </a:r>
-            <a:endParaRPr lang="en-US" dirty="0"/>
-          </a:p>
-        </p:txBody>
-      </p:sp>
-      <p:sp>
-        <p:nvSpPr>
-          <p:cNvPr id="7" name="Content Placeholder 6"/>
-          <p:cNvSpPr>
-            <a:spLocks noGrp="1"/>
-          </p:cNvSpPr>
-          <p:nvPr>
-            <p:ph idx="1"/>
+              <a:t>Резултати </a:t>
+            </a:r>
+            <a:r>
+              <a:rPr lang="bg-BG" dirty="0"/>
+              <a:t>от анализите</a:t>
+            </a:r>
+            <a:endParaRPr lang="en-US" dirty="0"/>
+          </a:p>
+        </p:txBody>
+      </p:sp>
+      <p:pic>
+        <p:nvPicPr>
+          <p:cNvPr id="5" name="Content Placeholder 4"/>
+          <p:cNvPicPr>
+            <a:picLocks noGrp="1"/>
+          </p:cNvPicPr>
+          <p:nvPr>
+            <p:ph sz="half" idx="1"/>
+          </p:nvPr>
+        </p:nvPicPr>
+        <p:blipFill>
+          <a:blip r:embed="rId2">
+            <a:extLst>
+              <a:ext uri="{28A0092B-C50C-407E-A947-70E740481C1C}">
+                <a14:useLocalDpi xmlns:a14="http://schemas.microsoft.com/office/drawing/2010/main" val="0"/>
+              </a:ext>
+            </a:extLst>
+          </a:blip>
+          <a:stretch>
+            <a:fillRect/>
+          </a:stretch>
+        </p:blipFill>
+        <p:spPr>
+          <a:xfrm>
+            <a:off x="1097281" y="1845736"/>
+            <a:ext cx="4613708" cy="3897338"/>
+          </a:xfrm>
+          <a:prstGeom prst="rect">
+            <a:avLst/>
+          </a:prstGeom>
+        </p:spPr>
+      </p:pic>
+      <p:sp>
+        <p:nvSpPr>
+          <p:cNvPr id="9" name="Content Placeholder 8"/>
+          <p:cNvSpPr>
+            <a:spLocks noGrp="1"/>
+          </p:cNvSpPr>
+          <p:nvPr>
+            <p:ph sz="half" idx="2"/>
           </p:nvPr>
         </p:nvSpPr>
         <p:spPr/>
@@ -8817,117 +9307,71 @@
           <a:bodyPr/>
           <a:lstStyle/>
           <a:p>
-            <a:r>
-              <a:rPr lang="bg-BG" dirty="0" smtClean="0"/>
-              <a:t>Система, която:</a:t>
-            </a:r>
-          </a:p>
-          <a:p>
-            <a:pPr marL="744538" lvl="1" indent="-544513">
+            <a:pPr marL="457200" indent="-457200">
               <a:buFont typeface="Wingdings" panose="05000000000000000000" pitchFamily="2" charset="2"/>
               <a:buChar char="q"/>
             </a:pPr>
-            <a:r>
-              <a:rPr lang="bg-BG" dirty="0" smtClean="0"/>
-              <a:t>Предлага анализ на </a:t>
-            </a:r>
-            <a:r>
-              <a:rPr lang="en-US" dirty="0"/>
-              <a:t>Facebook</a:t>
-            </a:r>
-            <a:r>
-              <a:rPr lang="bg-BG" dirty="0" smtClean="0"/>
-              <a:t> присъствието на общините по целия свят </a:t>
-            </a:r>
             <a:endParaRPr lang="en-US" dirty="0" smtClean="0"/>
           </a:p>
           <a:p>
-            <a:pPr marL="744538" lvl="1" indent="-544513">
+            <a:pPr marL="457200" indent="-457200">
               <a:buFont typeface="Wingdings" panose="05000000000000000000" pitchFamily="2" charset="2"/>
               <a:buChar char="q"/>
             </a:pPr>
             <a:r>
-              <a:rPr lang="bg-BG" dirty="0" err="1" smtClean="0"/>
-              <a:t>Разчина</a:t>
-            </a:r>
-            <a:r>
-              <a:rPr lang="bg-BG" dirty="0" smtClean="0"/>
-              <a:t> на </a:t>
-            </a:r>
-            <a:r>
-              <a:rPr lang="en-US" dirty="0" smtClean="0"/>
-              <a:t>crowdsourcing </a:t>
-            </a:r>
-            <a:r>
-              <a:rPr lang="bg-BG" dirty="0" smtClean="0"/>
-              <a:t>за събирането на информация</a:t>
-            </a:r>
-          </a:p>
-          <a:p>
-            <a:pPr marL="744538" lvl="1" indent="-544513">
+              <a:rPr lang="ru-RU" dirty="0" smtClean="0"/>
+              <a:t>Присъствието на общините </a:t>
+            </a:r>
+            <a:r>
+              <a:rPr lang="ru-RU" dirty="0"/>
+              <a:t>, които имат Facebook присъствие </a:t>
+            </a:r>
+            <a:r>
+              <a:rPr lang="ru-RU" dirty="0" smtClean="0"/>
+              <a:t>се е увеличило рязко през 2016г.</a:t>
+            </a:r>
+            <a:endParaRPr lang="en-US" dirty="0" smtClean="0"/>
+          </a:p>
+          <a:p>
+            <a:pPr marL="457200" indent="-457200">
+              <a:lnSpc>
+                <a:spcPct val="150000"/>
+              </a:lnSpc>
               <a:buFont typeface="Wingdings" panose="05000000000000000000" pitchFamily="2" charset="2"/>
               <a:buChar char="q"/>
             </a:pPr>
             <a:r>
+              <a:rPr lang="en-US" dirty="0" err="1" smtClean="0"/>
+              <a:t>ToDo</a:t>
+            </a:r>
+            <a:r>
+              <a:rPr lang="en-US" dirty="0" smtClean="0"/>
+              <a:t>:</a:t>
+            </a:r>
+            <a:r>
               <a:rPr lang="bg-BG" dirty="0" smtClean="0"/>
-              <a:t>Събраната информация може да се </a:t>
-            </a:r>
-            <a:r>
-              <a:rPr lang="bg-BG" dirty="0" err="1" smtClean="0"/>
-              <a:t>преизползва</a:t>
+              <a:t> Процент на общините, които имат </a:t>
             </a:r>
             <a:r>
               <a:rPr lang="bg-BG" dirty="0" smtClean="0"/>
-              <a:t> в </a:t>
-            </a:r>
-            <a:r>
-              <a:rPr lang="bg-BG" dirty="0" err="1" smtClean="0"/>
-              <a:t>деуги</a:t>
-            </a:r>
-            <a:r>
-              <a:rPr lang="bg-BG" dirty="0" smtClean="0"/>
-              <a:t> анализи </a:t>
-            </a:r>
-            <a:r>
-              <a:rPr lang="bg-BG" dirty="0" err="1" smtClean="0"/>
-              <a:t>благодаряние</a:t>
-            </a:r>
-            <a:r>
-              <a:rPr lang="bg-BG" dirty="0" smtClean="0"/>
-              <a:t> на реализирани функционалности, които позволяват </a:t>
-            </a:r>
-            <a:r>
-              <a:rPr lang="en-US" dirty="0" smtClean="0"/>
-              <a:t>open data </a:t>
-            </a:r>
-            <a:endParaRPr lang="bg-BG" dirty="0" smtClean="0"/>
-          </a:p>
-          <a:p>
-            <a:pPr marL="744538" lvl="1" indent="-544513">
+              <a:t>присъствие; още няколко слайда с резултати</a:t>
+            </a:r>
+          </a:p>
+          <a:p>
+            <a:pPr marL="457200" indent="-457200">
+              <a:lnSpc>
+                <a:spcPct val="150000"/>
+              </a:lnSpc>
               <a:buFont typeface="Wingdings" panose="05000000000000000000" pitchFamily="2" charset="2"/>
               <a:buChar char="q"/>
             </a:pPr>
-            <a:r>
-              <a:rPr lang="bg-BG" dirty="0" smtClean="0"/>
-              <a:t>Е внедрена в държавния портал за предоставяне на данни</a:t>
-            </a:r>
-          </a:p>
-          <a:p>
-            <a:pPr marL="744538" lvl="1" indent="-544513">
-              <a:buFont typeface="Wingdings" panose="05000000000000000000" pitchFamily="2" charset="2"/>
-              <a:buChar char="q"/>
-            </a:pPr>
-            <a:r>
-              <a:rPr lang="bg-BG" dirty="0" smtClean="0"/>
-              <a:t>Е представена в една от най-важните конференции за електронно управление</a:t>
-            </a:r>
-            <a:endParaRPr lang="en-US" dirty="0"/>
-          </a:p>
-        </p:txBody>
-      </p:sp>
-      <p:sp>
-        <p:nvSpPr>
-          <p:cNvPr id="5" name="Slide Number Placeholder 4"/>
+            <a:endParaRPr lang="en-US" dirty="0"/>
+          </a:p>
+        </p:txBody>
+      </p:sp>
+      <p:sp>
+        <p:nvSpPr>
+          <p:cNvPr id="4" name="Slide Number Placeholder 3"/>
           <p:cNvSpPr>
             <a:spLocks noGrp="1"/>
           </p:cNvSpPr>
@@ -8940,7 +9384,7 @@
           <a:bodyPr/>
           <a:lstStyle/>
           <a:p>
-            <a:fld id="{4FAB73BC-B049-4115-A692-8D63A059BFB8}" type="slidenum">
+            <a:fld id="{629637A9-119A-49DA-BD12-AAC58B377D80}" type="slidenum">
               <a:rPr lang="en-US" smtClean="0"/>
               <a:t>10</a:t>
             </a:fld>
@@ -8951,7 +9395,7 @@
     </p:spTree>
     <p:extLst>
       <p:ext uri="{BB962C8B-B14F-4D97-AF65-F5344CB8AC3E}">
-        <p14:creationId xmlns:p14="http://schemas.microsoft.com/office/powerpoint/2010/main" val="1994636547"/>
+        <p14:creationId xmlns:p14="http://schemas.microsoft.com/office/powerpoint/2010/main" val="1226802448"/>
       </p:ext>
     </p:extLst>
   </p:cSld>
@@ -8987,12 +9431,12 @@
       </p:grpSpPr>
       <p:sp>
         <p:nvSpPr>
-          <p:cNvPr id="7" name="Title 6"/>
-          <p:cNvSpPr>
-            <a:spLocks noGrp="1"/>
-          </p:cNvSpPr>
-          <p:nvPr>
-            <p:ph type="ctrTitle"/>
+          <p:cNvPr id="6" name="Title 5"/>
+          <p:cNvSpPr>
+            <a:spLocks noGrp="1"/>
+          </p:cNvSpPr>
+          <p:nvPr>
+            <p:ph type="title"/>
           </p:nvPr>
         </p:nvSpPr>
         <p:spPr/>
@@ -9000,18 +9444,22 @@
           <a:bodyPr/>
           <a:lstStyle/>
           <a:p>
-            <a:endParaRPr lang="en-US" dirty="0"/>
-          </a:p>
-        </p:txBody>
-      </p:sp>
-      <p:sp>
-        <p:nvSpPr>
-          <p:cNvPr id="8" name="Subtitle 7"/>
-          <p:cNvSpPr>
-            <a:spLocks noGrp="1"/>
-          </p:cNvSpPr>
-          <p:nvPr>
-            <p:ph type="subTitle" idx="1"/>
+            <a:r>
+              <a:rPr lang="bg-BG" dirty="0" smtClean="0"/>
+              <a:t>Заключение</a:t>
+            </a:r>
+            <a:endParaRPr lang="en-US" dirty="0"/>
+          </a:p>
+        </p:txBody>
+      </p:sp>
+      <p:sp>
+        <p:nvSpPr>
+          <p:cNvPr id="7" name="Content Placeholder 6"/>
+          <p:cNvSpPr>
+            <a:spLocks noGrp="1"/>
+          </p:cNvSpPr>
+          <p:nvPr>
+            <p:ph idx="1"/>
           </p:nvPr>
         </p:nvSpPr>
         <p:spPr/>
@@ -9019,13 +9467,190 @@
           <a:bodyPr/>
           <a:lstStyle/>
           <a:p>
-            <a:endParaRPr lang="en-US"/>
-          </a:p>
-        </p:txBody>
-      </p:sp>
-      <p:sp>
-        <p:nvSpPr>
-          <p:cNvPr id="4" name="Slide Number Placeholder 3"/>
+            <a:r>
+              <a:rPr lang="bg-BG" sz="2800" dirty="0" smtClean="0"/>
+              <a:t>Система, която</a:t>
+            </a:r>
+            <a:r>
+              <a:rPr lang="bg-BG" sz="2800" dirty="0" smtClean="0"/>
+              <a:t>:</a:t>
+            </a:r>
+            <a:endParaRPr lang="bg-BG" sz="2800" dirty="0" smtClean="0"/>
+          </a:p>
+          <a:p>
+            <a:pPr marL="457200" lvl="1" indent="-420688">
+              <a:buFont typeface="Wingdings" panose="05000000000000000000" pitchFamily="2" charset="2"/>
+              <a:buChar char="q"/>
+            </a:pPr>
+            <a:r>
+              <a:rPr lang="bg-BG" sz="2400" dirty="0" smtClean="0"/>
+              <a:t>Предлага </a:t>
+            </a:r>
+            <a:r>
+              <a:rPr lang="bg-BG" sz="2400" b="1" dirty="0" smtClean="0"/>
+              <a:t>анализ на </a:t>
+            </a:r>
+            <a:r>
+              <a:rPr lang="en-US" sz="2400" b="1" dirty="0"/>
+              <a:t>Facebook</a:t>
+            </a:r>
+            <a:r>
+              <a:rPr lang="bg-BG" sz="2400" b="1" dirty="0" smtClean="0"/>
+              <a:t> присъствието </a:t>
+            </a:r>
+            <a:r>
+              <a:rPr lang="bg-BG" sz="2400" dirty="0" smtClean="0"/>
+              <a:t>на общините </a:t>
+            </a:r>
+            <a:r>
+              <a:rPr lang="bg-BG" sz="2400" b="1" dirty="0" smtClean="0"/>
+              <a:t>по целия свят </a:t>
+            </a:r>
+            <a:endParaRPr lang="en-US" sz="2400" b="1" dirty="0" smtClean="0"/>
+          </a:p>
+          <a:p>
+            <a:pPr marL="457200" lvl="1" indent="-420688">
+              <a:buFont typeface="Wingdings" panose="05000000000000000000" pitchFamily="2" charset="2"/>
+              <a:buChar char="q"/>
+            </a:pPr>
+            <a:r>
+              <a:rPr lang="bg-BG" sz="2400" dirty="0" smtClean="0"/>
+              <a:t>Разчита </a:t>
+            </a:r>
+            <a:r>
+              <a:rPr lang="bg-BG" sz="2400" dirty="0" smtClean="0"/>
+              <a:t>на </a:t>
+            </a:r>
+            <a:r>
+              <a:rPr lang="en-US" sz="2400" b="1" i="1" dirty="0" smtClean="0"/>
+              <a:t>crowdsourcing</a:t>
+            </a:r>
+            <a:r>
+              <a:rPr lang="en-US" sz="2400" dirty="0" smtClean="0"/>
+              <a:t> </a:t>
+            </a:r>
+            <a:r>
+              <a:rPr lang="bg-BG" sz="2400" dirty="0" smtClean="0"/>
+              <a:t>за събирането на информация</a:t>
+            </a:r>
+          </a:p>
+          <a:p>
+            <a:pPr marL="457200" lvl="1" indent="-420688">
+              <a:buFont typeface="Wingdings" panose="05000000000000000000" pitchFamily="2" charset="2"/>
+              <a:buChar char="q"/>
+            </a:pPr>
+            <a:r>
+              <a:rPr lang="bg-BG" sz="2400" dirty="0" smtClean="0"/>
+              <a:t>Събраната информация може да се </a:t>
+            </a:r>
+            <a:r>
+              <a:rPr lang="bg-BG" sz="2400" dirty="0" smtClean="0"/>
+              <a:t>използва </a:t>
+            </a:r>
+            <a:r>
+              <a:rPr lang="bg-BG" sz="2400" dirty="0" smtClean="0"/>
+              <a:t>в </a:t>
+            </a:r>
+            <a:r>
+              <a:rPr lang="bg-BG" sz="2400" dirty="0" smtClean="0"/>
+              <a:t>други </a:t>
+            </a:r>
+            <a:r>
+              <a:rPr lang="bg-BG" sz="2400" dirty="0" smtClean="0"/>
+              <a:t>анализи </a:t>
+            </a:r>
+            <a:r>
+              <a:rPr lang="bg-BG" sz="2400" dirty="0" smtClean="0"/>
+              <a:t>благодарение </a:t>
+            </a:r>
+            <a:r>
+              <a:rPr lang="bg-BG" sz="2400" dirty="0" smtClean="0"/>
+              <a:t>на реализирани функционалности, които позволяват </a:t>
+            </a:r>
+            <a:r>
+              <a:rPr lang="en-US" sz="2400" b="1" i="1" dirty="0" smtClean="0"/>
+              <a:t>open data </a:t>
+            </a:r>
+            <a:endParaRPr lang="bg-BG" sz="2400" b="1" i="1" dirty="0" smtClean="0"/>
+          </a:p>
+          <a:p>
+            <a:pPr marL="457200" lvl="1" indent="-420688">
+              <a:buFont typeface="Wingdings" panose="05000000000000000000" pitchFamily="2" charset="2"/>
+              <a:buChar char="q"/>
+            </a:pPr>
+            <a:r>
+              <a:rPr lang="bg-BG" sz="2400" dirty="0" smtClean="0"/>
+              <a:t>Е внедрена в </a:t>
+            </a:r>
+            <a:r>
+              <a:rPr lang="bg-BG" sz="2400" b="1" dirty="0" smtClean="0"/>
+              <a:t>портал</a:t>
+            </a:r>
+            <a:r>
+              <a:rPr lang="bg-BG" sz="2400" b="1" dirty="0" smtClean="0"/>
+              <a:t>а за отворени данни</a:t>
+            </a:r>
+            <a:r>
+              <a:rPr lang="bg-BG" sz="2400" dirty="0" smtClean="0"/>
+              <a:t>: </a:t>
+            </a:r>
+            <a:r>
+              <a:rPr lang="en-US" sz="2400" dirty="0" smtClean="0"/>
+              <a:t>Open Data </a:t>
+            </a:r>
+            <a:r>
+              <a:rPr lang="bg-BG" sz="2400" dirty="0" smtClean="0"/>
+              <a:t>България</a:t>
+            </a:r>
+          </a:p>
+          <a:p>
+            <a:pPr marL="457200" lvl="1" indent="-420688">
+              <a:buFont typeface="Wingdings" panose="05000000000000000000" pitchFamily="2" charset="2"/>
+              <a:buChar char="q"/>
+            </a:pPr>
+            <a:r>
+              <a:rPr lang="bg-BG" sz="2400" dirty="0" smtClean="0"/>
+              <a:t>Е </a:t>
+            </a:r>
+            <a:r>
+              <a:rPr lang="bg-BG" sz="2400" dirty="0" smtClean="0"/>
+              <a:t>представена в една от най-важните конференции за електронно </a:t>
+            </a:r>
+            <a:r>
+              <a:rPr lang="bg-BG" sz="2400" dirty="0" smtClean="0"/>
+              <a:t>управление</a:t>
+            </a:r>
+            <a:r>
+              <a:rPr lang="en-US" sz="2400" dirty="0" smtClean="0"/>
+              <a:t>: </a:t>
+            </a:r>
+            <a:r>
+              <a:rPr lang="en-US" sz="2400" b="1" dirty="0"/>
+              <a:t>IFIP EGOV-</a:t>
+            </a:r>
+            <a:r>
+              <a:rPr lang="en-US" sz="2400" b="1" dirty="0" err="1"/>
+              <a:t>ePart</a:t>
+            </a:r>
+            <a:r>
+              <a:rPr lang="en-US" sz="2400" b="1" dirty="0"/>
+              <a:t> </a:t>
+            </a:r>
+            <a:r>
+              <a:rPr lang="en-US" sz="2400" b="1" dirty="0" smtClean="0"/>
+              <a:t>conference, </a:t>
+            </a:r>
+            <a:r>
+              <a:rPr lang="bg-BG" sz="2400" b="1" dirty="0" smtClean="0"/>
+              <a:t>Португалия, септември 2016г.</a:t>
+            </a:r>
+            <a:endParaRPr lang="en-US" sz="2400" b="1" dirty="0"/>
+          </a:p>
+        </p:txBody>
+      </p:sp>
+      <p:sp>
+        <p:nvSpPr>
+          <p:cNvPr id="5" name="Slide Number Placeholder 4"/>
           <p:cNvSpPr>
             <a:spLocks noGrp="1"/>
           </p:cNvSpPr>
@@ -9038,7 +9663,7 @@
           <a:bodyPr/>
           <a:lstStyle/>
           <a:p>
-            <a:fld id="{629637A9-119A-49DA-BD12-AAC58B377D80}" type="slidenum">
+            <a:fld id="{4FAB73BC-B049-4115-A692-8D63A059BFB8}" type="slidenum">
               <a:rPr lang="en-US" smtClean="0"/>
               <a:t>11</a:t>
             </a:fld>
@@ -9046,39 +9671,10 @@
           </a:p>
         </p:txBody>
       </p:sp>
-      <p:pic>
-        <p:nvPicPr>
-          <p:cNvPr id="9" name="Picture 8"/>
-          <p:cNvPicPr>
-            <a:picLocks noChangeAspect="1"/>
-          </p:cNvPicPr>
-          <p:nvPr/>
-        </p:nvPicPr>
-        <p:blipFill>
-          <a:blip r:embed="rId3"/>
-          <a:stretch>
-            <a:fillRect/>
-          </a:stretch>
-        </p:blipFill>
-        <p:spPr>
-          <a:xfrm>
-            <a:off x="-6707387" y="-5716277"/>
-            <a:ext cx="25606774" cy="18290553"/>
-          </a:xfrm>
-          <a:prstGeom prst="rect">
-            <a:avLst/>
-          </a:prstGeom>
-          <a:effectLst>
-            <a:outerShdw blurRad="50800" dist="50800" dir="5400000" algn="ctr" rotWithShape="0">
-              <a:srgbClr val="000000"/>
-            </a:outerShdw>
-          </a:effectLst>
-        </p:spPr>
-      </p:pic>
     </p:spTree>
     <p:extLst>
       <p:ext uri="{BB962C8B-B14F-4D97-AF65-F5344CB8AC3E}">
-        <p14:creationId xmlns:p14="http://schemas.microsoft.com/office/powerpoint/2010/main" val="1879336576"/>
+        <p14:creationId xmlns:p14="http://schemas.microsoft.com/office/powerpoint/2010/main" val="1994636547"/>
       </p:ext>
     </p:extLst>
   </p:cSld>
@@ -9114,12 +9710,12 @@
       </p:grpSpPr>
       <p:sp>
         <p:nvSpPr>
-          <p:cNvPr id="4" name="Title 3"/>
-          <p:cNvSpPr>
-            <a:spLocks noGrp="1"/>
-          </p:cNvSpPr>
-          <p:nvPr>
-            <p:ph type="title"/>
+          <p:cNvPr id="7" name="Title 6"/>
+          <p:cNvSpPr>
+            <a:spLocks noGrp="1"/>
+          </p:cNvSpPr>
+          <p:nvPr>
+            <p:ph type="ctrTitle"/>
           </p:nvPr>
         </p:nvSpPr>
         <p:spPr/>
@@ -9127,22 +9723,18 @@
           <a:bodyPr/>
           <a:lstStyle/>
           <a:p>
-            <a:r>
-              <a:rPr lang="bg-BG" dirty="0" smtClean="0"/>
-              <a:t>Резервна информация</a:t>
-            </a:r>
-            <a:endParaRPr lang="en-GB" dirty="0"/>
-          </a:p>
-        </p:txBody>
-      </p:sp>
-      <p:sp>
-        <p:nvSpPr>
-          <p:cNvPr id="5" name="Text Placeholder 4"/>
-          <p:cNvSpPr>
-            <a:spLocks noGrp="1"/>
-          </p:cNvSpPr>
-          <p:nvPr>
-            <p:ph type="body" idx="1"/>
+            <a:endParaRPr lang="en-US" dirty="0"/>
+          </a:p>
+        </p:txBody>
+      </p:sp>
+      <p:sp>
+        <p:nvSpPr>
+          <p:cNvPr id="8" name="Subtitle 7"/>
+          <p:cNvSpPr>
+            <a:spLocks noGrp="1"/>
+          </p:cNvSpPr>
+          <p:nvPr>
+            <p:ph type="subTitle" idx="1"/>
           </p:nvPr>
         </p:nvSpPr>
         <p:spPr/>
@@ -9150,13 +9742,13 @@
           <a:bodyPr/>
           <a:lstStyle/>
           <a:p>
-            <a:endParaRPr lang="en-GB"/>
-          </a:p>
-        </p:txBody>
-      </p:sp>
-      <p:sp>
-        <p:nvSpPr>
-          <p:cNvPr id="2" name="Slide Number Placeholder 1"/>
+            <a:endParaRPr lang="en-US"/>
+          </a:p>
+        </p:txBody>
+      </p:sp>
+      <p:sp>
+        <p:nvSpPr>
+          <p:cNvPr id="4" name="Slide Number Placeholder 3"/>
           <p:cNvSpPr>
             <a:spLocks noGrp="1"/>
           </p:cNvSpPr>
@@ -9169,7 +9761,7 @@
           <a:bodyPr/>
           <a:lstStyle/>
           <a:p>
-            <a:fld id="{4FAB73BC-B049-4115-A692-8D63A059BFB8}" type="slidenum">
+            <a:fld id="{629637A9-119A-49DA-BD12-AAC58B377D80}" type="slidenum">
               <a:rPr lang="en-US" smtClean="0"/>
               <a:t>12</a:t>
             </a:fld>
@@ -9177,10 +9769,38 @@
           </a:p>
         </p:txBody>
       </p:sp>
+      <p:pic>
+        <p:nvPicPr>
+          <p:cNvPr id="9" name="Picture 8"/>
+          <p:cNvPicPr>
+            <a:picLocks noChangeAspect="1"/>
+          </p:cNvPicPr>
+          <p:nvPr/>
+        </p:nvPicPr>
+        <p:blipFill rotWithShape="1">
+          <a:blip r:embed="rId3"/>
+          <a:srcRect l="25797" t="1812" r="20639" b="51528"/>
+          <a:stretch/>
+        </p:blipFill>
+        <p:spPr>
+          <a:xfrm>
+            <a:off x="0" y="0"/>
+            <a:ext cx="12047621" cy="7496297"/>
+          </a:xfrm>
+          <a:prstGeom prst="rect">
+            <a:avLst/>
+          </a:prstGeom>
+          <a:effectLst>
+            <a:outerShdw blurRad="50800" dist="50800" dir="5400000" algn="ctr" rotWithShape="0">
+              <a:srgbClr val="000000"/>
+            </a:outerShdw>
+          </a:effectLst>
+        </p:spPr>
+      </p:pic>
     </p:spTree>
     <p:extLst>
       <p:ext uri="{BB962C8B-B14F-4D97-AF65-F5344CB8AC3E}">
-        <p14:creationId xmlns:p14="http://schemas.microsoft.com/office/powerpoint/2010/main" val="3491747733"/>
+        <p14:creationId xmlns:p14="http://schemas.microsoft.com/office/powerpoint/2010/main" val="1879336576"/>
       </p:ext>
     </p:extLst>
   </p:cSld>
@@ -9231,7 +9851,7 @@
           <a:p>
             <a:r>
               <a:rPr lang="bg-BG" dirty="0" smtClean="0"/>
-              <a:t>Модул за извличане на постове</a:t>
+              <a:t>Резервна информация</a:t>
             </a:r>
             <a:endParaRPr lang="en-GB" dirty="0"/>
           </a:p>
@@ -9239,12 +9859,12 @@
       </p:sp>
       <p:sp>
         <p:nvSpPr>
-          <p:cNvPr id="5" name="Content Placeholder 4"/>
-          <p:cNvSpPr>
-            <a:spLocks noGrp="1"/>
-          </p:cNvSpPr>
-          <p:nvPr>
-            <p:ph idx="1"/>
+          <p:cNvPr id="5" name="Text Placeholder 4"/>
+          <p:cNvSpPr>
+            <a:spLocks noGrp="1"/>
+          </p:cNvSpPr>
+          <p:nvPr>
+            <p:ph type="body" idx="1"/>
           </p:nvPr>
         </p:nvSpPr>
         <p:spPr/>
@@ -9252,7 +9872,7 @@
           <a:bodyPr/>
           <a:lstStyle/>
           <a:p>
-            <a:endParaRPr lang="en-GB" dirty="0"/>
+            <a:endParaRPr lang="en-GB"/>
           </a:p>
         </p:txBody>
       </p:sp>
@@ -9271,7 +9891,7 @@
           <a:bodyPr/>
           <a:lstStyle/>
           <a:p>
-            <a:fld id="{629637A9-119A-49DA-BD12-AAC58B377D80}" type="slidenum">
+            <a:fld id="{4FAB73BC-B049-4115-A692-8D63A059BFB8}" type="slidenum">
               <a:rPr lang="en-US" smtClean="0"/>
               <a:t>13</a:t>
             </a:fld>
@@ -9282,7 +9902,7 @@
     </p:spTree>
     <p:extLst>
       <p:ext uri="{BB962C8B-B14F-4D97-AF65-F5344CB8AC3E}">
-        <p14:creationId xmlns:p14="http://schemas.microsoft.com/office/powerpoint/2010/main" val="859374189"/>
+        <p14:creationId xmlns:p14="http://schemas.microsoft.com/office/powerpoint/2010/main" val="3491747733"/>
       </p:ext>
     </p:extLst>
   </p:cSld>
@@ -9318,6 +9938,193 @@
       </p:grpSpPr>
       <p:sp>
         <p:nvSpPr>
+          <p:cNvPr id="4" name="Title 3"/>
+          <p:cNvSpPr>
+            <a:spLocks noGrp="1"/>
+          </p:cNvSpPr>
+          <p:nvPr>
+            <p:ph type="title"/>
+          </p:nvPr>
+        </p:nvSpPr>
+        <p:spPr/>
+        <p:txBody>
+          <a:bodyPr/>
+          <a:lstStyle/>
+          <a:p>
+            <a:r>
+              <a:rPr lang="bg-BG" dirty="0" smtClean="0"/>
+              <a:t>Модул за извличане на постове</a:t>
+            </a:r>
+            <a:endParaRPr lang="en-GB" dirty="0"/>
+          </a:p>
+        </p:txBody>
+      </p:sp>
+      <p:sp>
+        <p:nvSpPr>
+          <p:cNvPr id="6" name="Content Placeholder 5"/>
+          <p:cNvSpPr>
+            <a:spLocks noGrp="1"/>
+          </p:cNvSpPr>
+          <p:nvPr>
+            <p:ph sz="half" idx="2"/>
+          </p:nvPr>
+        </p:nvSpPr>
+        <p:spPr>
+          <a:xfrm>
+            <a:off x="7825154" y="1845735"/>
+            <a:ext cx="3330526" cy="4023360"/>
+          </a:xfrm>
+        </p:spPr>
+        <p:txBody>
+          <a:bodyPr>
+            <a:normAutofit/>
+          </a:bodyPr>
+          <a:lstStyle/>
+          <a:p>
+            <a:pPr marL="280988" indent="-280988">
+              <a:buFont typeface="Wingdings" panose="05000000000000000000" pitchFamily="2" charset="2"/>
+              <a:buChar char="q"/>
+            </a:pPr>
+            <a:r>
+              <a:rPr lang="bg-BG" dirty="0"/>
+              <a:t>Използва </a:t>
+            </a:r>
+            <a:r>
+              <a:rPr lang="en-US" dirty="0"/>
+              <a:t>API </a:t>
+            </a:r>
+            <a:r>
+              <a:rPr lang="bg-BG" dirty="0"/>
+              <a:t>на </a:t>
+            </a:r>
+            <a:r>
+              <a:rPr lang="en-US" dirty="0"/>
+              <a:t>Facebook – Graph API, </a:t>
+            </a:r>
+            <a:r>
+              <a:rPr lang="bg-BG" dirty="0"/>
+              <a:t>за да извлече постовете на всички страници</a:t>
+            </a:r>
+          </a:p>
+          <a:p>
+            <a:pPr marL="280988" indent="-280988">
+              <a:buFont typeface="Wingdings" panose="05000000000000000000" pitchFamily="2" charset="2"/>
+              <a:buChar char="q"/>
+            </a:pPr>
+            <a:r>
+              <a:rPr lang="bg-BG" dirty="0"/>
+              <a:t>Предлага </a:t>
+            </a:r>
+            <a:r>
+              <a:rPr lang="bg-BG" dirty="0" smtClean="0"/>
+              <a:t>опции </a:t>
+            </a:r>
+            <a:r>
+              <a:rPr lang="bg-BG" dirty="0"/>
+              <a:t>за извличане </a:t>
+            </a:r>
+            <a:r>
+              <a:rPr lang="bg-BG" dirty="0" smtClean="0"/>
+              <a:t>на всички или само </a:t>
+            </a:r>
+            <a:r>
+              <a:rPr lang="bg-BG" dirty="0"/>
+              <a:t>на новите постове(тези, които не са извлечени при предишно пускане)</a:t>
+            </a:r>
+          </a:p>
+          <a:p>
+            <a:endParaRPr lang="en-US" dirty="0"/>
+          </a:p>
+        </p:txBody>
+      </p:sp>
+      <p:sp>
+        <p:nvSpPr>
+          <p:cNvPr id="2" name="Slide Number Placeholder 1"/>
+          <p:cNvSpPr>
+            <a:spLocks noGrp="1"/>
+          </p:cNvSpPr>
+          <p:nvPr>
+            <p:ph type="sldNum" sz="quarter" idx="12"/>
+          </p:nvPr>
+        </p:nvSpPr>
+        <p:spPr/>
+        <p:txBody>
+          <a:bodyPr/>
+          <a:lstStyle/>
+          <a:p>
+            <a:fld id="{629637A9-119A-49DA-BD12-AAC58B377D80}" type="slidenum">
+              <a:rPr lang="en-US" smtClean="0"/>
+              <a:t>14</a:t>
+            </a:fld>
+            <a:endParaRPr lang="en-US" dirty="0"/>
+          </a:p>
+        </p:txBody>
+      </p:sp>
+      <p:pic>
+        <p:nvPicPr>
+          <p:cNvPr id="14" name="Content Placeholder 13"/>
+          <p:cNvPicPr>
+            <a:picLocks noGrp="1" noChangeAspect="1"/>
+          </p:cNvPicPr>
+          <p:nvPr>
+            <p:ph sz="half" idx="1"/>
+          </p:nvPr>
+        </p:nvPicPr>
+        <p:blipFill>
+          <a:blip r:embed="rId3"/>
+          <a:stretch>
+            <a:fillRect/>
+          </a:stretch>
+        </p:blipFill>
+        <p:spPr>
+          <a:xfrm>
+            <a:off x="153681" y="1845735"/>
+            <a:ext cx="7548382" cy="4324332"/>
+          </a:xfrm>
+          <a:prstGeom prst="rect">
+            <a:avLst/>
+          </a:prstGeom>
+        </p:spPr>
+      </p:pic>
+    </p:spTree>
+    <p:extLst>
+      <p:ext uri="{BB962C8B-B14F-4D97-AF65-F5344CB8AC3E}">
+        <p14:creationId xmlns:p14="http://schemas.microsoft.com/office/powerpoint/2010/main" val="859374189"/>
+      </p:ext>
+    </p:extLst>
+  </p:cSld>
+  <p:clrMapOvr>
+    <a:masterClrMapping/>
+  </p:clrMapOvr>
+  <p:timing>
+    <p:tnLst>
+      <p:par>
+        <p:cTn id="1" dur="indefinite" restart="never" nodeType="tmRoot"/>
+      </p:par>
+    </p:tnLst>
+  </p:timing>
+</p:sld>
+</file>
+
+<file path=ppt/slides/slide15.xml><?xml version="1.0" encoding="utf-8"?>
+<p:sld xmlns:a="http://schemas.openxmlformats.org/drawingml/2006/main" xmlns:r="http://schemas.openxmlformats.org/officeDocument/2006/relationships" xmlns:p="http://schemas.openxmlformats.org/presentationml/2006/main">
+  <p:cSld>
+    <p:spTree>
+      <p:nvGrpSpPr>
+        <p:cNvPr id="1" name=""/>
+        <p:cNvGrpSpPr/>
+        <p:nvPr/>
+      </p:nvGrpSpPr>
+      <p:grpSpPr>
+        <a:xfrm>
+          <a:off x="0" y="0"/>
+          <a:ext cx="0" cy="0"/>
+          <a:chOff x="0" y="0"/>
+          <a:chExt cx="0" cy="0"/>
+        </a:xfrm>
+      </p:grpSpPr>
+      <p:sp>
+        <p:nvSpPr>
           <p:cNvPr id="2" name="Title 1"/>
           <p:cNvSpPr>
             <a:spLocks noGrp="1"/>
@@ -9383,7 +10190,7 @@
           <a:p>
             <a:fld id="{4FAB73BC-B049-4115-A692-8D63A059BFB8}" type="slidenum">
               <a:rPr lang="en-US" smtClean="0"/>
-              <a:t>14</a:t>
+              <a:t>15</a:t>
             </a:fld>
             <a:endParaRPr lang="en-US" dirty="0"/>
           </a:p>
@@ -9400,7 +10207,7 @@
           </p:nvPr>
         </p:nvPicPr>
         <p:blipFill>
-          <a:blip r:embed="rId2">
+          <a:blip r:embed="rId3">
             <a:extLst>
               <a:ext uri="{28A0092B-C50C-407E-A947-70E740481C1C}">
                 <a14:useLocalDpi xmlns:a14="http://schemas.microsoft.com/office/drawing/2010/main" val="0"/>
@@ -9431,6 +10238,1038 @@
   <p:clrMapOvr>
     <a:masterClrMapping/>
   </p:clrMapOvr>
+  <p:timing>
+    <p:tnLst>
+      <p:par>
+        <p:cTn id="1" dur="indefinite" restart="never" nodeType="tmRoot"/>
+      </p:par>
+    </p:tnLst>
+  </p:timing>
+</p:sld>
+</file>
+
+<file path=ppt/slides/slide16.xml><?xml version="1.0" encoding="utf-8"?>
+<p:sld xmlns:a="http://schemas.openxmlformats.org/drawingml/2006/main" xmlns:r="http://schemas.openxmlformats.org/officeDocument/2006/relationships" xmlns:p="http://schemas.openxmlformats.org/presentationml/2006/main">
+  <p:cSld>
+    <p:spTree>
+      <p:nvGrpSpPr>
+        <p:cNvPr id="1" name=""/>
+        <p:cNvGrpSpPr/>
+        <p:nvPr/>
+      </p:nvGrpSpPr>
+      <p:grpSpPr>
+        <a:xfrm>
+          <a:off x="0" y="0"/>
+          <a:ext cx="0" cy="0"/>
+          <a:chOff x="0" y="0"/>
+          <a:chExt cx="0" cy="0"/>
+        </a:xfrm>
+      </p:grpSpPr>
+      <p:sp>
+        <p:nvSpPr>
+          <p:cNvPr id="2" name="Title 1"/>
+          <p:cNvSpPr>
+            <a:spLocks noGrp="1"/>
+          </p:cNvSpPr>
+          <p:nvPr>
+            <p:ph type="title"/>
+          </p:nvPr>
+        </p:nvSpPr>
+        <p:spPr/>
+        <p:txBody>
+          <a:bodyPr/>
+          <a:lstStyle/>
+          <a:p>
+            <a:r>
+              <a:rPr lang="en-US" dirty="0" smtClean="0"/>
+              <a:t>SMTP </a:t>
+            </a:r>
+            <a:r>
+              <a:rPr lang="bg-BG" dirty="0" smtClean="0"/>
+              <a:t>сървър</a:t>
+            </a:r>
+            <a:endParaRPr lang="en-US" dirty="0"/>
+          </a:p>
+        </p:txBody>
+      </p:sp>
+      <p:sp>
+        <p:nvSpPr>
+          <p:cNvPr id="4" name="Slide Number Placeholder 3"/>
+          <p:cNvSpPr>
+            <a:spLocks noGrp="1"/>
+          </p:cNvSpPr>
+          <p:nvPr>
+            <p:ph type="sldNum" sz="quarter" idx="12"/>
+          </p:nvPr>
+        </p:nvSpPr>
+        <p:spPr/>
+        <p:txBody>
+          <a:bodyPr/>
+          <a:lstStyle/>
+          <a:p>
+            <a:fld id="{629637A9-119A-49DA-BD12-AAC58B377D80}" type="slidenum">
+              <a:rPr lang="en-US" smtClean="0"/>
+              <a:t>16</a:t>
+            </a:fld>
+            <a:endParaRPr lang="en-US" dirty="0"/>
+          </a:p>
+        </p:txBody>
+      </p:sp>
+      <p:sp>
+        <p:nvSpPr>
+          <p:cNvPr id="8" name="Content Placeholder 7"/>
+          <p:cNvSpPr>
+            <a:spLocks noGrp="1"/>
+          </p:cNvSpPr>
+          <p:nvPr>
+            <p:ph idx="1"/>
+          </p:nvPr>
+        </p:nvSpPr>
+        <p:spPr/>
+        <p:txBody>
+          <a:bodyPr/>
+          <a:lstStyle/>
+          <a:p>
+            <a:endParaRPr lang="en-US"/>
+          </a:p>
+        </p:txBody>
+      </p:sp>
+      <p:sp>
+        <p:nvSpPr>
+          <p:cNvPr id="9" name="Rectangle 8"/>
+          <p:cNvSpPr/>
+          <p:nvPr/>
+        </p:nvSpPr>
+        <p:spPr>
+          <a:xfrm>
+            <a:off x="1097280" y="2149254"/>
+            <a:ext cx="9733280" cy="2308324"/>
+          </a:xfrm>
+          <a:prstGeom prst="rect">
+            <a:avLst/>
+          </a:prstGeom>
+        </p:spPr>
+        <p:txBody>
+          <a:bodyPr wrap="square">
+            <a:spAutoFit/>
+          </a:bodyPr>
+          <a:lstStyle/>
+          <a:p>
+            <a:r>
+              <a:rPr lang="en-US" dirty="0">
+                <a:solidFill>
+                  <a:srgbClr val="0000FF"/>
+                </a:solidFill>
+                <a:highlight>
+                  <a:srgbClr val="FFFFFF"/>
+                </a:highlight>
+                <a:latin typeface="Consolas" panose="020B0609020204030204" pitchFamily="49" charset="0"/>
+              </a:rPr>
+              <a:t>&lt;</a:t>
+            </a:r>
+            <a:r>
+              <a:rPr lang="en-US" dirty="0">
+                <a:solidFill>
+                  <a:srgbClr val="A31515"/>
+                </a:solidFill>
+                <a:highlight>
+                  <a:srgbClr val="FFFFFF"/>
+                </a:highlight>
+                <a:latin typeface="Consolas" panose="020B0609020204030204" pitchFamily="49" charset="0"/>
+              </a:rPr>
+              <a:t>system.net</a:t>
+            </a:r>
+            <a:r>
+              <a:rPr lang="en-US" dirty="0">
+                <a:solidFill>
+                  <a:srgbClr val="0000FF"/>
+                </a:solidFill>
+                <a:highlight>
+                  <a:srgbClr val="FFFFFF"/>
+                </a:highlight>
+                <a:latin typeface="Consolas" panose="020B0609020204030204" pitchFamily="49" charset="0"/>
+              </a:rPr>
+              <a:t>&gt;</a:t>
+            </a:r>
+            <a:endParaRPr lang="en-US" dirty="0">
+              <a:solidFill>
+                <a:srgbClr val="000000"/>
+              </a:solidFill>
+              <a:highlight>
+                <a:srgbClr val="FFFFFF"/>
+              </a:highlight>
+              <a:latin typeface="Consolas" panose="020B0609020204030204" pitchFamily="49" charset="0"/>
+            </a:endParaRPr>
+          </a:p>
+          <a:p>
+            <a:r>
+              <a:rPr lang="en-US" dirty="0">
+                <a:solidFill>
+                  <a:srgbClr val="0000FF"/>
+                </a:solidFill>
+                <a:highlight>
+                  <a:srgbClr val="FFFFFF"/>
+                </a:highlight>
+                <a:latin typeface="Consolas" panose="020B0609020204030204" pitchFamily="49" charset="0"/>
+              </a:rPr>
+              <a:t>    &lt;</a:t>
+            </a:r>
+            <a:r>
+              <a:rPr lang="en-US" dirty="0" err="1">
+                <a:solidFill>
+                  <a:srgbClr val="A31515"/>
+                </a:solidFill>
+                <a:highlight>
+                  <a:srgbClr val="FFFFFF"/>
+                </a:highlight>
+                <a:latin typeface="Consolas" panose="020B0609020204030204" pitchFamily="49" charset="0"/>
+              </a:rPr>
+              <a:t>mailSettings</a:t>
+            </a:r>
+            <a:r>
+              <a:rPr lang="en-US" dirty="0">
+                <a:solidFill>
+                  <a:srgbClr val="0000FF"/>
+                </a:solidFill>
+                <a:highlight>
+                  <a:srgbClr val="FFFFFF"/>
+                </a:highlight>
+                <a:latin typeface="Consolas" panose="020B0609020204030204" pitchFamily="49" charset="0"/>
+              </a:rPr>
+              <a:t>&gt;</a:t>
+            </a:r>
+            <a:endParaRPr lang="en-US" dirty="0">
+              <a:solidFill>
+                <a:srgbClr val="000000"/>
+              </a:solidFill>
+              <a:highlight>
+                <a:srgbClr val="FFFFFF"/>
+              </a:highlight>
+              <a:latin typeface="Consolas" panose="020B0609020204030204" pitchFamily="49" charset="0"/>
+            </a:endParaRPr>
+          </a:p>
+          <a:p>
+            <a:r>
+              <a:rPr lang="en-US" dirty="0">
+                <a:solidFill>
+                  <a:srgbClr val="0000FF"/>
+                </a:solidFill>
+                <a:highlight>
+                  <a:srgbClr val="FFFFFF"/>
+                </a:highlight>
+                <a:latin typeface="Consolas" panose="020B0609020204030204" pitchFamily="49" charset="0"/>
+              </a:rPr>
+              <a:t>      &lt;</a:t>
+            </a:r>
+            <a:r>
+              <a:rPr lang="en-US" dirty="0" err="1">
+                <a:solidFill>
+                  <a:srgbClr val="A31515"/>
+                </a:solidFill>
+                <a:highlight>
+                  <a:srgbClr val="FFFFFF"/>
+                </a:highlight>
+                <a:latin typeface="Consolas" panose="020B0609020204030204" pitchFamily="49" charset="0"/>
+              </a:rPr>
+              <a:t>smtp</a:t>
+            </a:r>
+            <a:r>
+              <a:rPr lang="en-US" dirty="0">
+                <a:solidFill>
+                  <a:srgbClr val="0000FF"/>
+                </a:solidFill>
+                <a:highlight>
+                  <a:srgbClr val="FFFFFF"/>
+                </a:highlight>
+                <a:latin typeface="Consolas" panose="020B0609020204030204" pitchFamily="49" charset="0"/>
+              </a:rPr>
+              <a:t> </a:t>
+            </a:r>
+            <a:r>
+              <a:rPr lang="en-US" dirty="0">
+                <a:solidFill>
+                  <a:srgbClr val="FF0000"/>
+                </a:solidFill>
+                <a:highlight>
+                  <a:srgbClr val="FFFFFF"/>
+                </a:highlight>
+                <a:latin typeface="Consolas" panose="020B0609020204030204" pitchFamily="49" charset="0"/>
+              </a:rPr>
+              <a:t>from</a:t>
+            </a:r>
+            <a:r>
+              <a:rPr lang="en-US" dirty="0">
+                <a:solidFill>
+                  <a:srgbClr val="0000FF"/>
+                </a:solidFill>
+                <a:highlight>
+                  <a:srgbClr val="FFFFFF"/>
+                </a:highlight>
+                <a:latin typeface="Consolas" panose="020B0609020204030204" pitchFamily="49" charset="0"/>
+              </a:rPr>
+              <a:t>=</a:t>
+            </a:r>
+            <a:r>
+              <a:rPr lang="en-US" dirty="0">
+                <a:solidFill>
+                  <a:srgbClr val="000000"/>
+                </a:solidFill>
+                <a:highlight>
+                  <a:srgbClr val="FFFFFF"/>
+                </a:highlight>
+                <a:latin typeface="Consolas" panose="020B0609020204030204" pitchFamily="49" charset="0"/>
+              </a:rPr>
+              <a:t>"</a:t>
+            </a:r>
+            <a:r>
+              <a:rPr lang="en-US" dirty="0">
+                <a:solidFill>
+                  <a:srgbClr val="0000FF"/>
+                </a:solidFill>
+                <a:highlight>
+                  <a:srgbClr val="FFFFFF"/>
+                </a:highlight>
+                <a:latin typeface="Consolas" panose="020B0609020204030204" pitchFamily="49" charset="0"/>
+              </a:rPr>
+              <a:t>socialpresence2016@gmail.com</a:t>
+            </a:r>
+            <a:r>
+              <a:rPr lang="en-US" dirty="0">
+                <a:solidFill>
+                  <a:srgbClr val="000000"/>
+                </a:solidFill>
+                <a:highlight>
+                  <a:srgbClr val="FFFFFF"/>
+                </a:highlight>
+                <a:latin typeface="Consolas" panose="020B0609020204030204" pitchFamily="49" charset="0"/>
+              </a:rPr>
+              <a:t>"</a:t>
+            </a:r>
+            <a:r>
+              <a:rPr lang="en-US" dirty="0">
+                <a:solidFill>
+                  <a:srgbClr val="0000FF"/>
+                </a:solidFill>
+                <a:highlight>
+                  <a:srgbClr val="FFFFFF"/>
+                </a:highlight>
+                <a:latin typeface="Consolas" panose="020B0609020204030204" pitchFamily="49" charset="0"/>
+              </a:rPr>
+              <a:t> </a:t>
+            </a:r>
+            <a:r>
+              <a:rPr lang="en-US" dirty="0" err="1">
+                <a:solidFill>
+                  <a:srgbClr val="FF0000"/>
+                </a:solidFill>
+                <a:highlight>
+                  <a:srgbClr val="FFFFFF"/>
+                </a:highlight>
+                <a:latin typeface="Consolas" panose="020B0609020204030204" pitchFamily="49" charset="0"/>
+              </a:rPr>
+              <a:t>deliveryMethod</a:t>
+            </a:r>
+            <a:r>
+              <a:rPr lang="en-US" dirty="0">
+                <a:solidFill>
+                  <a:srgbClr val="0000FF"/>
+                </a:solidFill>
+                <a:highlight>
+                  <a:srgbClr val="FFFFFF"/>
+                </a:highlight>
+                <a:latin typeface="Consolas" panose="020B0609020204030204" pitchFamily="49" charset="0"/>
+              </a:rPr>
+              <a:t>=</a:t>
+            </a:r>
+            <a:r>
+              <a:rPr lang="en-US" dirty="0">
+                <a:solidFill>
+                  <a:srgbClr val="000000"/>
+                </a:solidFill>
+                <a:highlight>
+                  <a:srgbClr val="FFFFFF"/>
+                </a:highlight>
+                <a:latin typeface="Consolas" panose="020B0609020204030204" pitchFamily="49" charset="0"/>
+              </a:rPr>
+              <a:t>"</a:t>
+            </a:r>
+            <a:r>
+              <a:rPr lang="en-US" dirty="0">
+                <a:solidFill>
+                  <a:srgbClr val="0000FF"/>
+                </a:solidFill>
+                <a:highlight>
+                  <a:srgbClr val="FFFFFF"/>
+                </a:highlight>
+                <a:latin typeface="Consolas" panose="020B0609020204030204" pitchFamily="49" charset="0"/>
+              </a:rPr>
+              <a:t>Network</a:t>
+            </a:r>
+            <a:r>
+              <a:rPr lang="en-US" dirty="0">
+                <a:solidFill>
+                  <a:srgbClr val="000000"/>
+                </a:solidFill>
+                <a:highlight>
+                  <a:srgbClr val="FFFFFF"/>
+                </a:highlight>
+                <a:latin typeface="Consolas" panose="020B0609020204030204" pitchFamily="49" charset="0"/>
+              </a:rPr>
+              <a:t>"</a:t>
+            </a:r>
+            <a:r>
+              <a:rPr lang="en-US" dirty="0">
+                <a:solidFill>
+                  <a:srgbClr val="0000FF"/>
+                </a:solidFill>
+                <a:highlight>
+                  <a:srgbClr val="FFFFFF"/>
+                </a:highlight>
+                <a:latin typeface="Consolas" panose="020B0609020204030204" pitchFamily="49" charset="0"/>
+              </a:rPr>
+              <a:t>&gt;</a:t>
+            </a:r>
+            <a:endParaRPr lang="en-US" dirty="0">
+              <a:solidFill>
+                <a:srgbClr val="000000"/>
+              </a:solidFill>
+              <a:highlight>
+                <a:srgbClr val="FFFFFF"/>
+              </a:highlight>
+              <a:latin typeface="Consolas" panose="020B0609020204030204" pitchFamily="49" charset="0"/>
+            </a:endParaRPr>
+          </a:p>
+          <a:p>
+            <a:r>
+              <a:rPr lang="en-US" dirty="0">
+                <a:solidFill>
+                  <a:srgbClr val="0000FF"/>
+                </a:solidFill>
+                <a:highlight>
+                  <a:srgbClr val="FFFFFF"/>
+                </a:highlight>
+                <a:latin typeface="Consolas" panose="020B0609020204030204" pitchFamily="49" charset="0"/>
+              </a:rPr>
+              <a:t>        &lt;</a:t>
+            </a:r>
+            <a:r>
+              <a:rPr lang="en-US" dirty="0">
+                <a:solidFill>
+                  <a:srgbClr val="A31515"/>
+                </a:solidFill>
+                <a:highlight>
+                  <a:srgbClr val="FFFFFF"/>
+                </a:highlight>
+                <a:latin typeface="Consolas" panose="020B0609020204030204" pitchFamily="49" charset="0"/>
+              </a:rPr>
+              <a:t>network</a:t>
+            </a:r>
+            <a:r>
+              <a:rPr lang="en-US" dirty="0">
+                <a:solidFill>
+                  <a:srgbClr val="0000FF"/>
+                </a:solidFill>
+                <a:highlight>
+                  <a:srgbClr val="FFFFFF"/>
+                </a:highlight>
+                <a:latin typeface="Consolas" panose="020B0609020204030204" pitchFamily="49" charset="0"/>
+              </a:rPr>
+              <a:t> </a:t>
+            </a:r>
+            <a:r>
+              <a:rPr lang="en-US" dirty="0" err="1">
+                <a:solidFill>
+                  <a:srgbClr val="FF0000"/>
+                </a:solidFill>
+                <a:highlight>
+                  <a:srgbClr val="FFFFFF"/>
+                </a:highlight>
+                <a:latin typeface="Consolas" panose="020B0609020204030204" pitchFamily="49" charset="0"/>
+              </a:rPr>
+              <a:t>defaultCredentials</a:t>
+            </a:r>
+            <a:r>
+              <a:rPr lang="en-US" dirty="0">
+                <a:solidFill>
+                  <a:srgbClr val="0000FF"/>
+                </a:solidFill>
+                <a:highlight>
+                  <a:srgbClr val="FFFFFF"/>
+                </a:highlight>
+                <a:latin typeface="Consolas" panose="020B0609020204030204" pitchFamily="49" charset="0"/>
+              </a:rPr>
+              <a:t>=</a:t>
+            </a:r>
+            <a:r>
+              <a:rPr lang="en-US" dirty="0">
+                <a:solidFill>
+                  <a:srgbClr val="000000"/>
+                </a:solidFill>
+                <a:highlight>
+                  <a:srgbClr val="FFFFFF"/>
+                </a:highlight>
+                <a:latin typeface="Consolas" panose="020B0609020204030204" pitchFamily="49" charset="0"/>
+              </a:rPr>
+              <a:t>"</a:t>
+            </a:r>
+            <a:r>
+              <a:rPr lang="en-US" dirty="0">
+                <a:solidFill>
+                  <a:srgbClr val="0000FF"/>
+                </a:solidFill>
+                <a:highlight>
+                  <a:srgbClr val="FFFFFF"/>
+                </a:highlight>
+                <a:latin typeface="Consolas" panose="020B0609020204030204" pitchFamily="49" charset="0"/>
+              </a:rPr>
+              <a:t>false</a:t>
+            </a:r>
+            <a:r>
+              <a:rPr lang="en-US" dirty="0">
+                <a:solidFill>
+                  <a:srgbClr val="000000"/>
+                </a:solidFill>
+                <a:highlight>
+                  <a:srgbClr val="FFFFFF"/>
+                </a:highlight>
+                <a:latin typeface="Consolas" panose="020B0609020204030204" pitchFamily="49" charset="0"/>
+              </a:rPr>
+              <a:t>"</a:t>
+            </a:r>
+            <a:r>
+              <a:rPr lang="en-US" dirty="0">
+                <a:solidFill>
+                  <a:srgbClr val="0000FF"/>
+                </a:solidFill>
+                <a:highlight>
+                  <a:srgbClr val="FFFFFF"/>
+                </a:highlight>
+                <a:latin typeface="Consolas" panose="020B0609020204030204" pitchFamily="49" charset="0"/>
+              </a:rPr>
+              <a:t> </a:t>
+            </a:r>
+            <a:r>
+              <a:rPr lang="en-US" dirty="0">
+                <a:solidFill>
+                  <a:srgbClr val="FF0000"/>
+                </a:solidFill>
+                <a:highlight>
+                  <a:srgbClr val="FFFFFF"/>
+                </a:highlight>
+                <a:latin typeface="Consolas" panose="020B0609020204030204" pitchFamily="49" charset="0"/>
+              </a:rPr>
+              <a:t>host</a:t>
+            </a:r>
+            <a:r>
+              <a:rPr lang="en-US" dirty="0">
+                <a:solidFill>
+                  <a:srgbClr val="0000FF"/>
+                </a:solidFill>
+                <a:highlight>
+                  <a:srgbClr val="FFFFFF"/>
+                </a:highlight>
+                <a:latin typeface="Consolas" panose="020B0609020204030204" pitchFamily="49" charset="0"/>
+              </a:rPr>
+              <a:t>=</a:t>
+            </a:r>
+            <a:r>
+              <a:rPr lang="en-US" dirty="0">
+                <a:solidFill>
+                  <a:srgbClr val="000000"/>
+                </a:solidFill>
+                <a:highlight>
+                  <a:srgbClr val="FFFFFF"/>
+                </a:highlight>
+                <a:latin typeface="Consolas" panose="020B0609020204030204" pitchFamily="49" charset="0"/>
+              </a:rPr>
+              <a:t>"</a:t>
+            </a:r>
+            <a:r>
+              <a:rPr lang="en-US" dirty="0">
+                <a:solidFill>
+                  <a:srgbClr val="0000FF"/>
+                </a:solidFill>
+                <a:highlight>
+                  <a:srgbClr val="FFFFFF"/>
+                </a:highlight>
+                <a:latin typeface="Consolas" panose="020B0609020204030204" pitchFamily="49" charset="0"/>
+              </a:rPr>
+              <a:t>smtp.gmail.com</a:t>
+            </a:r>
+            <a:r>
+              <a:rPr lang="en-US" dirty="0">
+                <a:solidFill>
+                  <a:srgbClr val="000000"/>
+                </a:solidFill>
+                <a:highlight>
+                  <a:srgbClr val="FFFFFF"/>
+                </a:highlight>
+                <a:latin typeface="Consolas" panose="020B0609020204030204" pitchFamily="49" charset="0"/>
+              </a:rPr>
+              <a:t>"</a:t>
+            </a:r>
+            <a:r>
+              <a:rPr lang="en-US" dirty="0">
+                <a:solidFill>
+                  <a:srgbClr val="0000FF"/>
+                </a:solidFill>
+                <a:highlight>
+                  <a:srgbClr val="FFFFFF"/>
+                </a:highlight>
+                <a:latin typeface="Consolas" panose="020B0609020204030204" pitchFamily="49" charset="0"/>
+              </a:rPr>
+              <a:t> </a:t>
+            </a:r>
+            <a:r>
+              <a:rPr lang="en-US" dirty="0">
+                <a:solidFill>
+                  <a:srgbClr val="FF0000"/>
+                </a:solidFill>
+                <a:highlight>
+                  <a:srgbClr val="FFFFFF"/>
+                </a:highlight>
+                <a:latin typeface="Consolas" panose="020B0609020204030204" pitchFamily="49" charset="0"/>
+              </a:rPr>
+              <a:t>port</a:t>
+            </a:r>
+            <a:r>
+              <a:rPr lang="en-US" dirty="0">
+                <a:solidFill>
+                  <a:srgbClr val="0000FF"/>
+                </a:solidFill>
+                <a:highlight>
+                  <a:srgbClr val="FFFFFF"/>
+                </a:highlight>
+                <a:latin typeface="Consolas" panose="020B0609020204030204" pitchFamily="49" charset="0"/>
+              </a:rPr>
+              <a:t>=</a:t>
+            </a:r>
+            <a:r>
+              <a:rPr lang="en-US" dirty="0">
+                <a:solidFill>
+                  <a:srgbClr val="000000"/>
+                </a:solidFill>
+                <a:highlight>
+                  <a:srgbClr val="FFFFFF"/>
+                </a:highlight>
+                <a:latin typeface="Consolas" panose="020B0609020204030204" pitchFamily="49" charset="0"/>
+              </a:rPr>
+              <a:t>"</a:t>
+            </a:r>
+            <a:r>
+              <a:rPr lang="en-US" dirty="0">
+                <a:solidFill>
+                  <a:srgbClr val="0000FF"/>
+                </a:solidFill>
+                <a:highlight>
+                  <a:srgbClr val="FFFFFF"/>
+                </a:highlight>
+                <a:latin typeface="Consolas" panose="020B0609020204030204" pitchFamily="49" charset="0"/>
+              </a:rPr>
+              <a:t>587</a:t>
+            </a:r>
+            <a:r>
+              <a:rPr lang="en-US" dirty="0">
+                <a:solidFill>
+                  <a:srgbClr val="000000"/>
+                </a:solidFill>
+                <a:highlight>
+                  <a:srgbClr val="FFFFFF"/>
+                </a:highlight>
+                <a:latin typeface="Consolas" panose="020B0609020204030204" pitchFamily="49" charset="0"/>
+              </a:rPr>
+              <a:t>"</a:t>
+            </a:r>
+            <a:r>
+              <a:rPr lang="en-US" dirty="0">
+                <a:solidFill>
+                  <a:srgbClr val="0000FF"/>
+                </a:solidFill>
+                <a:highlight>
+                  <a:srgbClr val="FFFFFF"/>
+                </a:highlight>
+                <a:latin typeface="Consolas" panose="020B0609020204030204" pitchFamily="49" charset="0"/>
+              </a:rPr>
+              <a:t> </a:t>
+            </a:r>
+            <a:r>
+              <a:rPr lang="en-US" dirty="0">
+                <a:solidFill>
+                  <a:srgbClr val="FF0000"/>
+                </a:solidFill>
+                <a:highlight>
+                  <a:srgbClr val="FFFFFF"/>
+                </a:highlight>
+                <a:latin typeface="Consolas" panose="020B0609020204030204" pitchFamily="49" charset="0"/>
+              </a:rPr>
+              <a:t>password</a:t>
+            </a:r>
+            <a:r>
+              <a:rPr lang="en-US" dirty="0" smtClean="0">
+                <a:solidFill>
+                  <a:srgbClr val="0000FF"/>
+                </a:solidFill>
+                <a:highlight>
+                  <a:srgbClr val="FFFFFF"/>
+                </a:highlight>
+                <a:latin typeface="Consolas" panose="020B0609020204030204" pitchFamily="49" charset="0"/>
+              </a:rPr>
+              <a:t>=</a:t>
+            </a:r>
+            <a:r>
+              <a:rPr lang="en-US" dirty="0" smtClean="0">
+                <a:solidFill>
+                  <a:srgbClr val="000000"/>
+                </a:solidFill>
+                <a:highlight>
+                  <a:srgbClr val="FFFFFF"/>
+                </a:highlight>
+                <a:latin typeface="Consolas" panose="020B0609020204030204" pitchFamily="49" charset="0"/>
+              </a:rPr>
+              <a:t>“</a:t>
+            </a:r>
+            <a:r>
+              <a:rPr lang="en-US" dirty="0" smtClean="0">
+                <a:solidFill>
+                  <a:srgbClr val="0000FF"/>
+                </a:solidFill>
+                <a:highlight>
+                  <a:srgbClr val="FFFFFF"/>
+                </a:highlight>
+                <a:latin typeface="Consolas" panose="020B0609020204030204" pitchFamily="49" charset="0"/>
+              </a:rPr>
+              <a:t>*****</a:t>
+            </a:r>
+            <a:r>
+              <a:rPr lang="en-US" dirty="0" smtClean="0">
+                <a:solidFill>
+                  <a:srgbClr val="000000"/>
+                </a:solidFill>
+                <a:highlight>
+                  <a:srgbClr val="FFFFFF"/>
+                </a:highlight>
+                <a:latin typeface="Consolas" panose="020B0609020204030204" pitchFamily="49" charset="0"/>
+              </a:rPr>
+              <a:t>"</a:t>
+            </a:r>
+            <a:r>
+              <a:rPr lang="en-US" dirty="0" smtClean="0">
+                <a:solidFill>
+                  <a:srgbClr val="0000FF"/>
+                </a:solidFill>
+                <a:highlight>
+                  <a:srgbClr val="FFFFFF"/>
+                </a:highlight>
+                <a:latin typeface="Consolas" panose="020B0609020204030204" pitchFamily="49" charset="0"/>
+              </a:rPr>
+              <a:t> </a:t>
+            </a:r>
+            <a:r>
+              <a:rPr lang="en-US" dirty="0" err="1">
+                <a:solidFill>
+                  <a:srgbClr val="FF0000"/>
+                </a:solidFill>
+                <a:highlight>
+                  <a:srgbClr val="FFFFFF"/>
+                </a:highlight>
+                <a:latin typeface="Consolas" panose="020B0609020204030204" pitchFamily="49" charset="0"/>
+              </a:rPr>
+              <a:t>userName</a:t>
+            </a:r>
+            <a:r>
+              <a:rPr lang="en-US" dirty="0">
+                <a:solidFill>
+                  <a:srgbClr val="0000FF"/>
+                </a:solidFill>
+                <a:highlight>
+                  <a:srgbClr val="FFFFFF"/>
+                </a:highlight>
+                <a:latin typeface="Consolas" panose="020B0609020204030204" pitchFamily="49" charset="0"/>
+              </a:rPr>
+              <a:t>=</a:t>
+            </a:r>
+            <a:r>
+              <a:rPr lang="en-US" dirty="0">
+                <a:solidFill>
+                  <a:srgbClr val="000000"/>
+                </a:solidFill>
+                <a:highlight>
+                  <a:srgbClr val="FFFFFF"/>
+                </a:highlight>
+                <a:latin typeface="Consolas" panose="020B0609020204030204" pitchFamily="49" charset="0"/>
+              </a:rPr>
+              <a:t>"</a:t>
+            </a:r>
+            <a:r>
+              <a:rPr lang="en-US" dirty="0">
+                <a:solidFill>
+                  <a:srgbClr val="0000FF"/>
+                </a:solidFill>
+                <a:highlight>
+                  <a:srgbClr val="FFFFFF"/>
+                </a:highlight>
+                <a:latin typeface="Consolas" panose="020B0609020204030204" pitchFamily="49" charset="0"/>
+              </a:rPr>
+              <a:t>socialpresence2016@gmail.com</a:t>
+            </a:r>
+            <a:r>
+              <a:rPr lang="en-US" dirty="0">
+                <a:solidFill>
+                  <a:srgbClr val="000000"/>
+                </a:solidFill>
+                <a:highlight>
+                  <a:srgbClr val="FFFFFF"/>
+                </a:highlight>
+                <a:latin typeface="Consolas" panose="020B0609020204030204" pitchFamily="49" charset="0"/>
+              </a:rPr>
+              <a:t>"</a:t>
+            </a:r>
+            <a:r>
+              <a:rPr lang="en-US" dirty="0">
+                <a:solidFill>
+                  <a:srgbClr val="0000FF"/>
+                </a:solidFill>
+                <a:highlight>
+                  <a:srgbClr val="FFFFFF"/>
+                </a:highlight>
+                <a:latin typeface="Consolas" panose="020B0609020204030204" pitchFamily="49" charset="0"/>
+              </a:rPr>
+              <a:t> </a:t>
+            </a:r>
+            <a:r>
+              <a:rPr lang="en-US" dirty="0" err="1">
+                <a:solidFill>
+                  <a:srgbClr val="FF0000"/>
+                </a:solidFill>
+                <a:highlight>
+                  <a:srgbClr val="FFFFFF"/>
+                </a:highlight>
+                <a:latin typeface="Consolas" panose="020B0609020204030204" pitchFamily="49" charset="0"/>
+              </a:rPr>
+              <a:t>enableSsl</a:t>
+            </a:r>
+            <a:r>
+              <a:rPr lang="en-US" dirty="0">
+                <a:solidFill>
+                  <a:srgbClr val="0000FF"/>
+                </a:solidFill>
+                <a:highlight>
+                  <a:srgbClr val="FFFFFF"/>
+                </a:highlight>
+                <a:latin typeface="Consolas" panose="020B0609020204030204" pitchFamily="49" charset="0"/>
+              </a:rPr>
+              <a:t>=</a:t>
+            </a:r>
+            <a:r>
+              <a:rPr lang="en-US" dirty="0">
+                <a:solidFill>
+                  <a:srgbClr val="000000"/>
+                </a:solidFill>
+                <a:highlight>
+                  <a:srgbClr val="FFFFFF"/>
+                </a:highlight>
+                <a:latin typeface="Consolas" panose="020B0609020204030204" pitchFamily="49" charset="0"/>
+              </a:rPr>
+              <a:t>"</a:t>
+            </a:r>
+            <a:r>
+              <a:rPr lang="en-US" dirty="0">
+                <a:solidFill>
+                  <a:srgbClr val="0000FF"/>
+                </a:solidFill>
+                <a:highlight>
+                  <a:srgbClr val="FFFFFF"/>
+                </a:highlight>
+                <a:latin typeface="Consolas" panose="020B0609020204030204" pitchFamily="49" charset="0"/>
+              </a:rPr>
+              <a:t>true</a:t>
+            </a:r>
+            <a:r>
+              <a:rPr lang="en-US" dirty="0">
+                <a:solidFill>
+                  <a:srgbClr val="000000"/>
+                </a:solidFill>
+                <a:highlight>
+                  <a:srgbClr val="FFFFFF"/>
+                </a:highlight>
+                <a:latin typeface="Consolas" panose="020B0609020204030204" pitchFamily="49" charset="0"/>
+              </a:rPr>
+              <a:t>"</a:t>
+            </a:r>
+            <a:r>
+              <a:rPr lang="en-US" dirty="0">
+                <a:solidFill>
+                  <a:srgbClr val="0000FF"/>
+                </a:solidFill>
+                <a:highlight>
+                  <a:srgbClr val="FFFFFF"/>
+                </a:highlight>
+                <a:latin typeface="Consolas" panose="020B0609020204030204" pitchFamily="49" charset="0"/>
+              </a:rPr>
+              <a:t>/&gt;</a:t>
+            </a:r>
+            <a:endParaRPr lang="en-US" dirty="0">
+              <a:solidFill>
+                <a:srgbClr val="000000"/>
+              </a:solidFill>
+              <a:highlight>
+                <a:srgbClr val="FFFFFF"/>
+              </a:highlight>
+              <a:latin typeface="Consolas" panose="020B0609020204030204" pitchFamily="49" charset="0"/>
+            </a:endParaRPr>
+          </a:p>
+          <a:p>
+            <a:r>
+              <a:rPr lang="en-US" dirty="0">
+                <a:solidFill>
+                  <a:srgbClr val="0000FF"/>
+                </a:solidFill>
+                <a:highlight>
+                  <a:srgbClr val="FFFFFF"/>
+                </a:highlight>
+                <a:latin typeface="Consolas" panose="020B0609020204030204" pitchFamily="49" charset="0"/>
+              </a:rPr>
+              <a:t>      &lt;/</a:t>
+            </a:r>
+            <a:r>
+              <a:rPr lang="en-US" dirty="0" err="1">
+                <a:solidFill>
+                  <a:srgbClr val="A31515"/>
+                </a:solidFill>
+                <a:highlight>
+                  <a:srgbClr val="FFFFFF"/>
+                </a:highlight>
+                <a:latin typeface="Consolas" panose="020B0609020204030204" pitchFamily="49" charset="0"/>
+              </a:rPr>
+              <a:t>smtp</a:t>
+            </a:r>
+            <a:r>
+              <a:rPr lang="en-US" dirty="0">
+                <a:solidFill>
+                  <a:srgbClr val="0000FF"/>
+                </a:solidFill>
+                <a:highlight>
+                  <a:srgbClr val="FFFFFF"/>
+                </a:highlight>
+                <a:latin typeface="Consolas" panose="020B0609020204030204" pitchFamily="49" charset="0"/>
+              </a:rPr>
+              <a:t>&gt;</a:t>
+            </a:r>
+            <a:endParaRPr lang="en-US" dirty="0">
+              <a:solidFill>
+                <a:srgbClr val="000000"/>
+              </a:solidFill>
+              <a:highlight>
+                <a:srgbClr val="FFFFFF"/>
+              </a:highlight>
+              <a:latin typeface="Consolas" panose="020B0609020204030204" pitchFamily="49" charset="0"/>
+            </a:endParaRPr>
+          </a:p>
+          <a:p>
+            <a:r>
+              <a:rPr lang="en-US" dirty="0">
+                <a:solidFill>
+                  <a:srgbClr val="0000FF"/>
+                </a:solidFill>
+                <a:highlight>
+                  <a:srgbClr val="FFFFFF"/>
+                </a:highlight>
+                <a:latin typeface="Consolas" panose="020B0609020204030204" pitchFamily="49" charset="0"/>
+              </a:rPr>
+              <a:t>    &lt;/</a:t>
+            </a:r>
+            <a:r>
+              <a:rPr lang="en-US" dirty="0" err="1">
+                <a:solidFill>
+                  <a:srgbClr val="A31515"/>
+                </a:solidFill>
+                <a:highlight>
+                  <a:srgbClr val="FFFFFF"/>
+                </a:highlight>
+                <a:latin typeface="Consolas" panose="020B0609020204030204" pitchFamily="49" charset="0"/>
+              </a:rPr>
+              <a:t>mailSettings</a:t>
+            </a:r>
+            <a:r>
+              <a:rPr lang="en-US" dirty="0">
+                <a:solidFill>
+                  <a:srgbClr val="0000FF"/>
+                </a:solidFill>
+                <a:highlight>
+                  <a:srgbClr val="FFFFFF"/>
+                </a:highlight>
+                <a:latin typeface="Consolas" panose="020B0609020204030204" pitchFamily="49" charset="0"/>
+              </a:rPr>
+              <a:t>&gt;</a:t>
+            </a:r>
+            <a:endParaRPr lang="en-US" dirty="0">
+              <a:solidFill>
+                <a:srgbClr val="000000"/>
+              </a:solidFill>
+              <a:highlight>
+                <a:srgbClr val="FFFFFF"/>
+              </a:highlight>
+              <a:latin typeface="Consolas" panose="020B0609020204030204" pitchFamily="49" charset="0"/>
+            </a:endParaRPr>
+          </a:p>
+          <a:p>
+            <a:r>
+              <a:rPr lang="en-US" dirty="0">
+                <a:solidFill>
+                  <a:srgbClr val="0000FF"/>
+                </a:solidFill>
+                <a:highlight>
+                  <a:srgbClr val="FFFFFF"/>
+                </a:highlight>
+                <a:latin typeface="Consolas" panose="020B0609020204030204" pitchFamily="49" charset="0"/>
+              </a:rPr>
+              <a:t>  &lt;/</a:t>
+            </a:r>
+            <a:r>
+              <a:rPr lang="en-US" dirty="0">
+                <a:solidFill>
+                  <a:srgbClr val="A31515"/>
+                </a:solidFill>
+                <a:highlight>
+                  <a:srgbClr val="FFFFFF"/>
+                </a:highlight>
+                <a:latin typeface="Consolas" panose="020B0609020204030204" pitchFamily="49" charset="0"/>
+              </a:rPr>
+              <a:t>system.net</a:t>
+            </a:r>
+            <a:r>
+              <a:rPr lang="en-US" dirty="0">
+                <a:solidFill>
+                  <a:srgbClr val="0000FF"/>
+                </a:solidFill>
+                <a:highlight>
+                  <a:srgbClr val="FFFFFF"/>
+                </a:highlight>
+                <a:latin typeface="Consolas" panose="020B0609020204030204" pitchFamily="49" charset="0"/>
+              </a:rPr>
+              <a:t>&gt;</a:t>
+            </a:r>
+            <a:endParaRPr lang="en-US" dirty="0"/>
+          </a:p>
+        </p:txBody>
+      </p:sp>
+    </p:spTree>
+    <p:extLst>
+      <p:ext uri="{BB962C8B-B14F-4D97-AF65-F5344CB8AC3E}">
+        <p14:creationId xmlns:p14="http://schemas.microsoft.com/office/powerpoint/2010/main" val="2354313476"/>
+      </p:ext>
+    </p:extLst>
+  </p:cSld>
+  <p:clrMapOvr>
+    <a:masterClrMapping/>
+  </p:clrMapOvr>
+  <p:timing>
+    <p:tnLst>
+      <p:par>
+        <p:cTn id="1" dur="indefinite" restart="never" nodeType="tmRoot"/>
+      </p:par>
+    </p:tnLst>
+  </p:timing>
 </p:sld>
 </file>
 
@@ -9501,10 +11340,10 @@
               <a:buChar char="q"/>
             </a:pPr>
             <a:r>
-              <a:rPr lang="bg-BG" dirty="0" smtClean="0"/>
+              <a:rPr lang="bg-BG" sz="2400" dirty="0" smtClean="0"/>
               <a:t>Роля на социалните мрежи</a:t>
             </a:r>
-            <a:endParaRPr lang="bg-BG" dirty="0"/>
+            <a:endParaRPr lang="bg-BG" sz="2400" dirty="0"/>
           </a:p>
           <a:p>
             <a:pPr marL="688068" lvl="1" indent="-342900">
@@ -9515,10 +11354,10 @@
               <a:buChar char="q"/>
             </a:pPr>
             <a:r>
-              <a:rPr lang="bg-BG" dirty="0" smtClean="0"/>
+              <a:rPr lang="bg-BG" sz="2400" dirty="0" smtClean="0"/>
               <a:t>Видове социални мрежи</a:t>
             </a:r>
-            <a:endParaRPr lang="en-US" dirty="0" smtClean="0"/>
+            <a:endParaRPr lang="en-US" sz="2400" dirty="0" smtClean="0"/>
           </a:p>
           <a:p>
             <a:pPr marL="688068" lvl="1" indent="-342900">
@@ -9529,14 +11368,14 @@
               <a:buChar char="q"/>
             </a:pPr>
             <a:r>
-              <a:rPr lang="bg-BG" dirty="0" smtClean="0"/>
+              <a:rPr lang="bg-BG" sz="2400" dirty="0" smtClean="0"/>
               <a:t>Предимства на </a:t>
             </a:r>
             <a:r>
-              <a:rPr lang="en-US" dirty="0" smtClean="0"/>
+              <a:rPr lang="en-US" sz="2400" dirty="0" smtClean="0"/>
               <a:t>Facebook</a:t>
             </a:r>
-            <a:endParaRPr lang="en-US" dirty="0"/>
+            <a:endParaRPr lang="en-US" sz="2400" dirty="0"/>
           </a:p>
           <a:p>
             <a:pPr marL="395460" indent="-342900">
@@ -9547,10 +11386,10 @@
               <a:buChar char="q"/>
             </a:pPr>
             <a:r>
-              <a:rPr lang="bg-BG" dirty="0" smtClean="0"/>
+              <a:rPr lang="bg-BG" sz="2400" dirty="0" smtClean="0"/>
               <a:t>Присъствие на общините</a:t>
             </a:r>
-            <a:endParaRPr lang="en-US" dirty="0" smtClean="0"/>
+            <a:endParaRPr lang="en-US" sz="2400" dirty="0" smtClean="0"/>
           </a:p>
           <a:p>
             <a:pPr marL="688068" lvl="1" indent="-342900">
@@ -9561,7 +11400,7 @@
               <a:buChar char="q"/>
             </a:pPr>
             <a:r>
-              <a:rPr lang="bg-BG" dirty="0" smtClean="0"/>
+              <a:rPr lang="bg-BG" sz="2400" dirty="0" smtClean="0"/>
               <a:t>Ползи</a:t>
             </a:r>
           </a:p>
@@ -9574,10 +11413,9 @@
               <a:buChar char="q"/>
             </a:pPr>
             <a:r>
-              <a:rPr lang="bg-BG" dirty="0" smtClean="0"/>
+              <a:rPr lang="bg-BG" sz="2400" dirty="0" smtClean="0"/>
               <a:t>Възможности за подобрение</a:t>
             </a:r>
-            <a:endParaRPr lang="bg-BG" dirty="0" smtClean="0"/>
           </a:p>
           <a:p>
             <a:pPr marL="688068" lvl="1" indent="-342900">
@@ -9702,26 +11540,42 @@
           </a:p>
           <a:p>
             <a:r>
+              <a:rPr lang="bg-BG" sz="3200" b="1" dirty="0" smtClean="0"/>
+              <a:t>Анализ</a:t>
+            </a:r>
+            <a:r>
               <a:rPr lang="bg-BG" sz="3200" dirty="0" smtClean="0"/>
-              <a:t>Анализ на присъствието на общините във </a:t>
-            </a:r>
-            <a:r>
-              <a:rPr lang="en-US" sz="3200" dirty="0"/>
+              <a:t> на присъствието на общините във </a:t>
+            </a:r>
+            <a:r>
+              <a:rPr lang="en-US" sz="3200" b="1" dirty="0"/>
               <a:t>F</a:t>
             </a:r>
             <a:r>
+              <a:rPr lang="en-US" sz="3200" b="1" dirty="0" smtClean="0"/>
+              <a:t>acebook</a:t>
+            </a:r>
+            <a:r>
               <a:rPr lang="en-US" sz="3200" dirty="0" smtClean="0"/>
-              <a:t>acebook </a:t>
+              <a:t> </a:t>
             </a:r>
             <a:r>
               <a:rPr lang="bg-BG" sz="3200" dirty="0" smtClean="0"/>
-              <a:t>чрез софтуерна система, която събира информация чрез автоматизация и </a:t>
-            </a:r>
-            <a:r>
-              <a:rPr lang="en-US" sz="3200" dirty="0" smtClean="0"/>
+              <a:t>чрез софтуерна система, която събира информация чрез </a:t>
+            </a:r>
+            <a:r>
+              <a:rPr lang="bg-BG" sz="3200" b="1" dirty="0" smtClean="0"/>
+              <a:t>автоматизация</a:t>
+            </a:r>
+            <a:r>
+              <a:rPr lang="bg-BG" sz="3200" dirty="0" smtClean="0"/>
+              <a:t> и </a:t>
+            </a:r>
+            <a:r>
+              <a:rPr lang="en-US" sz="3200" b="1" i="1" dirty="0" smtClean="0"/>
               <a:t>crowdsourcing</a:t>
             </a:r>
-            <a:endParaRPr lang="en-GB" sz="3200" b="1" dirty="0"/>
+            <a:endParaRPr lang="en-GB" sz="3200" b="1" i="1" dirty="0"/>
           </a:p>
         </p:txBody>
       </p:sp>
@@ -9823,7 +11677,7 @@
           <a:bodyPr/>
           <a:lstStyle/>
           <a:p>
-            <a:pPr marL="457200" indent="-457200">
+            <a:pPr marL="352425" indent="-352425">
               <a:lnSpc>
                 <a:spcPct val="150000"/>
               </a:lnSpc>
@@ -9831,36 +11685,44 @@
               <a:buChar char="q"/>
             </a:pPr>
             <a:r>
-              <a:rPr lang="bg-BG" dirty="0" smtClean="0"/>
+              <a:rPr lang="bg-BG" sz="2400" dirty="0" smtClean="0"/>
               <a:t>Анализ на </a:t>
             </a:r>
             <a:r>
-              <a:rPr lang="bg-BG" dirty="0" err="1" smtClean="0"/>
-              <a:t>приссътвието</a:t>
-            </a:r>
-            <a:r>
-              <a:rPr lang="bg-BG" dirty="0" smtClean="0"/>
-              <a:t> на общините във </a:t>
-            </a:r>
-            <a:r>
-              <a:rPr lang="en-US" dirty="0" smtClean="0"/>
+              <a:rPr lang="bg-BG" sz="2400" dirty="0" smtClean="0"/>
+              <a:t>присъствието </a:t>
+            </a:r>
+            <a:r>
+              <a:rPr lang="bg-BG" sz="2400" dirty="0" smtClean="0"/>
+              <a:t>на общините във </a:t>
+            </a:r>
+            <a:r>
+              <a:rPr lang="en-US" sz="2400" dirty="0" smtClean="0"/>
               <a:t>Facebook</a:t>
             </a:r>
             <a:r>
-              <a:rPr lang="bg-BG" dirty="0" smtClean="0"/>
+              <a:rPr lang="bg-BG" sz="2400" dirty="0" smtClean="0"/>
               <a:t>(2014г - доц. Камен Спасов и Магдалена Младенова) </a:t>
             </a:r>
             <a:r>
-              <a:rPr lang="bg-BG" dirty="0" err="1" smtClean="0"/>
-              <a:t>тодо</a:t>
-            </a:r>
-            <a:r>
-              <a:rPr lang="bg-BG" dirty="0" smtClean="0"/>
-              <a:t>: картинки</a:t>
-            </a:r>
-          </a:p>
-          <a:p>
-            <a:pPr marL="640080" lvl="2" indent="-457200">
+              <a:rPr lang="bg-BG" sz="2400" dirty="0" smtClean="0"/>
+              <a:t>Т</a:t>
+            </a:r>
+            <a:r>
+              <a:rPr lang="en-US" sz="2400" dirty="0" err="1" smtClean="0"/>
+              <a:t>oDo</a:t>
+            </a:r>
+            <a:r>
+              <a:rPr lang="bg-BG" sz="2400" dirty="0" smtClean="0"/>
+              <a:t>: </a:t>
+            </a:r>
+            <a:r>
+              <a:rPr lang="bg-BG" sz="2400" dirty="0" smtClean="0"/>
+              <a:t>картинки</a:t>
+            </a:r>
+          </a:p>
+          <a:p>
+            <a:pPr marL="581025" lvl="2" indent="-398463">
               <a:lnSpc>
                 <a:spcPct val="150000"/>
               </a:lnSpc>
@@ -9868,12 +11730,12 @@
               <a:buChar char="q"/>
             </a:pPr>
             <a:r>
-              <a:rPr lang="bg-BG" dirty="0" smtClean="0"/>
+              <a:rPr lang="bg-BG" sz="2400" dirty="0" smtClean="0"/>
               <a:t>Подходи</a:t>
             </a:r>
           </a:p>
           <a:p>
-            <a:pPr marL="640080" lvl="2" indent="-457200">
+            <a:pPr marL="581025" lvl="2" indent="-398463">
               <a:lnSpc>
                 <a:spcPct val="150000"/>
               </a:lnSpc>
@@ -9881,12 +11743,12 @@
               <a:buChar char="q"/>
             </a:pPr>
             <a:r>
-              <a:rPr lang="bg-BG" dirty="0" smtClean="0"/>
+              <a:rPr lang="bg-BG" sz="2400" dirty="0" smtClean="0"/>
               <a:t>Резултати</a:t>
             </a:r>
           </a:p>
           <a:p>
-            <a:pPr marL="457200" indent="-457200">
+            <a:pPr marL="352425" indent="-352425">
               <a:lnSpc>
                 <a:spcPct val="150000"/>
               </a:lnSpc>
@@ -9894,7 +11756,7 @@
               <a:buChar char="q"/>
             </a:pPr>
             <a:r>
-              <a:rPr lang="bg-BG" dirty="0" smtClean="0"/>
+              <a:rPr lang="bg-BG" sz="2400" dirty="0" smtClean="0"/>
               <a:t>Ограничения на подхода</a:t>
             </a:r>
           </a:p>
@@ -9903,7 +11765,7 @@
               <a:buFont typeface="Wingdings" panose="05000000000000000000" pitchFamily="2" charset="2"/>
               <a:buChar char="q"/>
             </a:pPr>
-            <a:endParaRPr lang="bg-BG" dirty="0" smtClean="0"/>
+            <a:endParaRPr lang="bg-BG" sz="2800" dirty="0" smtClean="0"/>
           </a:p>
           <a:p>
             <a:pPr lvl="1">
@@ -10019,7 +11881,7 @@
               <a:buChar char="q"/>
             </a:pPr>
             <a:r>
-              <a:rPr lang="bg-BG" dirty="0"/>
+              <a:rPr lang="bg-BG" sz="2400" dirty="0"/>
               <a:t>Автентикация на идентичността на потребител</a:t>
             </a:r>
           </a:p>
@@ -10029,15 +11891,15 @@
               <a:buChar char="q"/>
             </a:pPr>
             <a:r>
-              <a:rPr lang="bg-BG" dirty="0"/>
+              <a:rPr lang="bg-BG" sz="2400" dirty="0"/>
               <a:t>Добавяне и лесно разглеждане на обща информация за общини или </a:t>
             </a:r>
             <a:r>
-              <a:rPr lang="en-US" dirty="0"/>
+              <a:rPr lang="en-US" sz="2400" dirty="0"/>
               <a:t>Facebook </a:t>
             </a:r>
             <a:r>
-              <a:rPr lang="bg-BG" dirty="0" smtClean="0"/>
+              <a:rPr lang="bg-BG" sz="2400" dirty="0" smtClean="0"/>
               <a:t>присъствие</a:t>
             </a:r>
           </a:p>
@@ -10047,11 +11909,11 @@
               <a:buChar char="q"/>
             </a:pPr>
             <a:r>
-              <a:rPr lang="bg-BG" dirty="0" smtClean="0"/>
+              <a:rPr lang="bg-BG" sz="2400" dirty="0" smtClean="0"/>
               <a:t>Известие </a:t>
             </a:r>
             <a:r>
-              <a:rPr lang="bg-BG" dirty="0"/>
+              <a:rPr lang="bg-BG" sz="2400" dirty="0"/>
               <a:t>при въвеждане на нова информация</a:t>
             </a:r>
           </a:p>
@@ -10061,7 +11923,7 @@
               <a:buChar char="q"/>
             </a:pPr>
             <a:r>
-              <a:rPr lang="bg-BG" dirty="0"/>
+              <a:rPr lang="bg-BG" sz="2400" dirty="0"/>
               <a:t>Отворени данни</a:t>
             </a:r>
           </a:p>
@@ -10071,40 +11933,14 @@
               <a:buChar char="q"/>
             </a:pPr>
             <a:r>
-              <a:rPr lang="bg-BG" dirty="0"/>
-              <a:t>Интеграция с други системи</a:t>
-            </a:r>
-          </a:p>
-          <a:p>
-            <a:pPr marL="406400" indent="-406400">
-              <a:buFont typeface="Wingdings" panose="05000000000000000000" pitchFamily="2" charset="2"/>
-              <a:buChar char="q"/>
-            </a:pPr>
-            <a:r>
-              <a:rPr lang="bg-BG" dirty="0"/>
-              <a:t>постоянна достъпност до системата</a:t>
-            </a:r>
-          </a:p>
-          <a:p>
-            <a:pPr marL="406400" indent="-406400">
-              <a:buFont typeface="Wingdings" panose="05000000000000000000" pitchFamily="2" charset="2"/>
-              <a:buChar char="q"/>
-            </a:pPr>
-            <a:r>
-              <a:rPr lang="bg-BG" dirty="0"/>
-              <a:t>Скалируемост </a:t>
-            </a:r>
-          </a:p>
-          <a:p>
-            <a:pPr marL="406400" indent="-406400">
-              <a:buFont typeface="Wingdings" panose="05000000000000000000" pitchFamily="2" charset="2"/>
-              <a:buChar char="q"/>
-            </a:pPr>
-            <a:r>
-              <a:rPr lang="bg-BG" dirty="0"/>
-              <a:t>Достъпност от различни устройства</a:t>
-            </a:r>
-            <a:endParaRPr lang="en-US" dirty="0"/>
+              <a:rPr lang="bg-BG" sz="2400" dirty="0"/>
+              <a:t>Интеграция с други </a:t>
+            </a:r>
+            <a:r>
+              <a:rPr lang="bg-BG" sz="2400" dirty="0" smtClean="0"/>
+              <a:t>системи</a:t>
+            </a:r>
+            <a:endParaRPr lang="bg-BG" sz="2400" dirty="0"/>
           </a:p>
         </p:txBody>
       </p:sp>
@@ -10185,39 +12021,73 @@
           <a:lstStyle/>
           <a:p>
             <a:r>
+              <a:rPr lang="bg-BG" dirty="0"/>
+              <a:t>Основни възможности на </a:t>
+            </a:r>
+            <a:r>
               <a:rPr lang="bg-BG" dirty="0" smtClean="0"/>
-              <a:t>Архитектура на системата</a:t>
-            </a:r>
-            <a:endParaRPr lang="en-US" dirty="0"/>
-          </a:p>
-        </p:txBody>
-      </p:sp>
-      <p:pic>
-        <p:nvPicPr>
-          <p:cNvPr id="6" name="Content Placeholder 5"/>
-          <p:cNvPicPr>
-            <a:picLocks noGrp="1" noChangeAspect="1"/>
-          </p:cNvPicPr>
+              <a:t>системата(2)</a:t>
+            </a:r>
+            <a:endParaRPr lang="en-US" dirty="0"/>
+          </a:p>
+        </p:txBody>
+      </p:sp>
+      <p:sp>
+        <p:nvSpPr>
+          <p:cNvPr id="3" name="Content Placeholder 2"/>
+          <p:cNvSpPr>
+            <a:spLocks noGrp="1"/>
+          </p:cNvSpPr>
           <p:nvPr>
             <p:ph idx="1"/>
           </p:nvPr>
-        </p:nvPicPr>
-        <p:blipFill>
-          <a:blip r:embed="rId2"/>
-          <a:stretch>
-            <a:fillRect/>
-          </a:stretch>
-        </p:blipFill>
-        <p:spPr>
-          <a:xfrm>
-            <a:off x="3312564" y="1846263"/>
-            <a:ext cx="5627198" cy="4022725"/>
-          </a:xfrm>
-          <a:prstGeom prst="rect">
-            <a:avLst/>
-          </a:prstGeom>
-        </p:spPr>
-      </p:pic>
+        </p:nvSpPr>
+        <p:spPr/>
+        <p:txBody>
+          <a:bodyPr>
+            <a:normAutofit/>
+          </a:bodyPr>
+          <a:lstStyle/>
+          <a:p>
+            <a:pPr marL="404813" indent="-404813">
+              <a:buFont typeface="Wingdings" panose="05000000000000000000" pitchFamily="2" charset="2"/>
+              <a:buChar char="q"/>
+            </a:pPr>
+            <a:r>
+              <a:rPr lang="bg-BG" sz="2400" dirty="0" smtClean="0"/>
+              <a:t>Постоянна </a:t>
+            </a:r>
+            <a:r>
+              <a:rPr lang="bg-BG" sz="2400" dirty="0"/>
+              <a:t>достъпност до системата</a:t>
+            </a:r>
+          </a:p>
+          <a:p>
+            <a:pPr marL="404813" indent="-404813">
+              <a:buFont typeface="Wingdings" panose="05000000000000000000" pitchFamily="2" charset="2"/>
+              <a:buChar char="q"/>
+            </a:pPr>
+            <a:r>
+              <a:rPr lang="bg-BG" sz="2400" dirty="0"/>
+              <a:t>Скалируемост </a:t>
+            </a:r>
+          </a:p>
+          <a:p>
+            <a:pPr marL="404813" indent="-404813">
+              <a:buFont typeface="Wingdings" panose="05000000000000000000" pitchFamily="2" charset="2"/>
+              <a:buChar char="q"/>
+            </a:pPr>
+            <a:r>
+              <a:rPr lang="bg-BG" sz="2400" dirty="0"/>
+              <a:t>Достъпност от различни устройства</a:t>
+            </a:r>
+            <a:endParaRPr lang="en-US" sz="2400" dirty="0"/>
+          </a:p>
+          <a:p>
+            <a:endParaRPr lang="en-US" sz="2400" dirty="0"/>
+          </a:p>
+        </p:txBody>
+      </p:sp>
       <p:sp>
         <p:nvSpPr>
           <p:cNvPr id="4" name="Slide Number Placeholder 3"/>
@@ -10245,7 +12115,7 @@
     </p:spTree>
     <p:extLst>
       <p:ext uri="{BB962C8B-B14F-4D97-AF65-F5344CB8AC3E}">
-        <p14:creationId xmlns:p14="http://schemas.microsoft.com/office/powerpoint/2010/main" val="148852021"/>
+        <p14:creationId xmlns:p14="http://schemas.microsoft.com/office/powerpoint/2010/main" val="2081774247"/>
       </p:ext>
     </p:extLst>
   </p:cSld>
@@ -10296,12 +12166,38 @@
           <a:p>
             <a:r>
               <a:rPr lang="bg-BG" dirty="0" smtClean="0"/>
-              <a:t>Архитектура на системата(2)</a:t>
-            </a:r>
-            <a:endParaRPr lang="en-US" dirty="0"/>
-          </a:p>
-        </p:txBody>
-      </p:sp>
+              <a:t>Архитектура на системата</a:t>
+            </a:r>
+            <a:endParaRPr lang="en-US" dirty="0"/>
+          </a:p>
+        </p:txBody>
+      </p:sp>
+      <p:pic>
+        <p:nvPicPr>
+          <p:cNvPr id="6" name="Content Placeholder 5"/>
+          <p:cNvPicPr>
+            <a:picLocks noGrp="1" noChangeAspect="1"/>
+          </p:cNvPicPr>
+          <p:nvPr>
+            <p:ph idx="1"/>
+          </p:nvPr>
+        </p:nvPicPr>
+        <p:blipFill>
+          <a:blip r:embed="rId2"/>
+          <a:stretch>
+            <a:fillRect/>
+          </a:stretch>
+        </p:blipFill>
+        <p:spPr>
+          <a:xfrm>
+            <a:off x="3312564" y="1846263"/>
+            <a:ext cx="5627198" cy="4022725"/>
+          </a:xfrm>
+          <a:prstGeom prst="rect">
+            <a:avLst/>
+          </a:prstGeom>
+        </p:spPr>
+      </p:pic>
       <p:sp>
         <p:nvSpPr>
           <p:cNvPr id="4" name="Slide Number Placeholder 3"/>
@@ -10321,6 +12217,90 @@
               <a:rPr lang="en-US" smtClean="0"/>
               <a:pPr/>
               <a:t>7</a:t>
+            </a:fld>
+            <a:endParaRPr lang="en-US" dirty="0"/>
+          </a:p>
+        </p:txBody>
+      </p:sp>
+    </p:spTree>
+    <p:extLst>
+      <p:ext uri="{BB962C8B-B14F-4D97-AF65-F5344CB8AC3E}">
+        <p14:creationId xmlns:p14="http://schemas.microsoft.com/office/powerpoint/2010/main" val="148852021"/>
+      </p:ext>
+    </p:extLst>
+  </p:cSld>
+  <p:clrMapOvr>
+    <a:masterClrMapping/>
+  </p:clrMapOvr>
+  <p:timing>
+    <p:tnLst>
+      <p:par>
+        <p:cTn id="1" dur="indefinite" restart="never" nodeType="tmRoot"/>
+      </p:par>
+    </p:tnLst>
+  </p:timing>
+</p:sld>
+</file>
+
+<file path=ppt/slides/slide8.xml><?xml version="1.0" encoding="utf-8"?>
+<p:sld xmlns:a="http://schemas.openxmlformats.org/drawingml/2006/main" xmlns:r="http://schemas.openxmlformats.org/officeDocument/2006/relationships" xmlns:p="http://schemas.openxmlformats.org/presentationml/2006/main">
+  <p:cSld>
+    <p:spTree>
+      <p:nvGrpSpPr>
+        <p:cNvPr id="1" name=""/>
+        <p:cNvGrpSpPr/>
+        <p:nvPr/>
+      </p:nvGrpSpPr>
+      <p:grpSpPr>
+        <a:xfrm>
+          <a:off x="0" y="0"/>
+          <a:ext cx="0" cy="0"/>
+          <a:chOff x="0" y="0"/>
+          <a:chExt cx="0" cy="0"/>
+        </a:xfrm>
+      </p:grpSpPr>
+      <p:sp>
+        <p:nvSpPr>
+          <p:cNvPr id="2" name="Title 1"/>
+          <p:cNvSpPr>
+            <a:spLocks noGrp="1"/>
+          </p:cNvSpPr>
+          <p:nvPr>
+            <p:ph type="title"/>
+          </p:nvPr>
+        </p:nvSpPr>
+        <p:spPr/>
+        <p:txBody>
+          <a:bodyPr/>
+          <a:lstStyle/>
+          <a:p>
+            <a:r>
+              <a:rPr lang="bg-BG" dirty="0" smtClean="0"/>
+              <a:t>Архитектура на системата(2)</a:t>
+            </a:r>
+            <a:endParaRPr lang="en-US" dirty="0"/>
+          </a:p>
+        </p:txBody>
+      </p:sp>
+      <p:sp>
+        <p:nvSpPr>
+          <p:cNvPr id="4" name="Slide Number Placeholder 3"/>
+          <p:cNvSpPr>
+            <a:spLocks noGrp="1"/>
+          </p:cNvSpPr>
+          <p:nvPr>
+            <p:ph type="sldNum" sz="quarter" idx="12"/>
+          </p:nvPr>
+        </p:nvSpPr>
+        <p:spPr/>
+        <p:txBody>
+          <a:bodyPr/>
+          <a:lstStyle/>
+          <a:p>
+            <a:fld id="{629637A9-119A-49DA-BD12-AAC58B377D80}" type="slidenum">
+              <a:rPr lang="en-US" smtClean="0"/>
+              <a:pPr/>
+              <a:t>8</a:t>
             </a:fld>
             <a:endParaRPr lang="en-US" dirty="0"/>
           </a:p>
@@ -10387,115 +12367,6 @@
 </p:sld>
 </file>
 
-<file path=ppt/slides/slide8.xml><?xml version="1.0" encoding="utf-8"?>
-<p:sld xmlns:a="http://schemas.openxmlformats.org/drawingml/2006/main" xmlns:r="http://schemas.openxmlformats.org/officeDocument/2006/relationships" xmlns:p="http://schemas.openxmlformats.org/presentationml/2006/main">
-  <p:cSld>
-    <p:spTree>
-      <p:nvGrpSpPr>
-        <p:cNvPr id="1" name=""/>
-        <p:cNvGrpSpPr/>
-        <p:nvPr/>
-      </p:nvGrpSpPr>
-      <p:grpSpPr>
-        <a:xfrm>
-          <a:off x="0" y="0"/>
-          <a:ext cx="0" cy="0"/>
-          <a:chOff x="0" y="0"/>
-          <a:chExt cx="0" cy="0"/>
-        </a:xfrm>
-      </p:grpSpPr>
-      <p:sp>
-        <p:nvSpPr>
-          <p:cNvPr id="2" name="Title 1"/>
-          <p:cNvSpPr>
-            <a:spLocks noGrp="1"/>
-          </p:cNvSpPr>
-          <p:nvPr>
-            <p:ph type="title"/>
-          </p:nvPr>
-        </p:nvSpPr>
-        <p:spPr/>
-        <p:txBody>
-          <a:bodyPr/>
-          <a:lstStyle/>
-          <a:p>
-            <a:r>
-              <a:rPr lang="bg-BG" dirty="0" smtClean="0"/>
-              <a:t>Реализация</a:t>
-            </a:r>
-            <a:endParaRPr lang="en-US" dirty="0"/>
-          </a:p>
-        </p:txBody>
-      </p:sp>
-      <p:pic>
-        <p:nvPicPr>
-          <p:cNvPr id="5" name="Content Placeholder 4"/>
-          <p:cNvPicPr>
-            <a:picLocks noGrp="1" noChangeAspect="1"/>
-          </p:cNvPicPr>
-          <p:nvPr>
-            <p:ph idx="1"/>
-          </p:nvPr>
-        </p:nvPicPr>
-        <p:blipFill>
-          <a:blip r:embed="rId2"/>
-          <a:stretch>
-            <a:fillRect/>
-          </a:stretch>
-        </p:blipFill>
-        <p:spPr>
-          <a:xfrm>
-            <a:off x="2148504" y="1917556"/>
-            <a:ext cx="7955951" cy="4362032"/>
-          </a:xfrm>
-          <a:prstGeom prst="rect">
-            <a:avLst/>
-          </a:prstGeom>
-        </p:spPr>
-      </p:pic>
-      <p:sp>
-        <p:nvSpPr>
-          <p:cNvPr id="4" name="Slide Number Placeholder 3"/>
-          <p:cNvSpPr>
-            <a:spLocks noGrp="1"/>
-          </p:cNvSpPr>
-          <p:nvPr>
-            <p:ph type="sldNum" sz="quarter" idx="12"/>
-          </p:nvPr>
-        </p:nvSpPr>
-        <p:spPr/>
-        <p:txBody>
-          <a:bodyPr/>
-          <a:lstStyle/>
-          <a:p>
-            <a:fld id="{629637A9-119A-49DA-BD12-AAC58B377D80}" type="slidenum">
-              <a:rPr lang="en-US" smtClean="0"/>
-              <a:t>8</a:t>
-            </a:fld>
-            <a:endParaRPr lang="en-US" dirty="0"/>
-          </a:p>
-        </p:txBody>
-      </p:sp>
-    </p:spTree>
-    <p:extLst>
-      <p:ext uri="{BB962C8B-B14F-4D97-AF65-F5344CB8AC3E}">
-        <p14:creationId xmlns:p14="http://schemas.microsoft.com/office/powerpoint/2010/main" val="182187068"/>
-      </p:ext>
-    </p:extLst>
-  </p:cSld>
-  <p:clrMapOvr>
-    <a:masterClrMapping/>
-  </p:clrMapOvr>
-  <p:timing>
-    <p:tnLst>
-      <p:par>
-        <p:cTn id="1" dur="indefinite" restart="never" nodeType="tmRoot"/>
-      </p:par>
-    </p:tnLst>
-  </p:timing>
-</p:sld>
-</file>
-
 <file path=ppt/slides/slide9.xml><?xml version="1.0" encoding="utf-8"?>
 <p:sld xmlns:a="http://schemas.openxmlformats.org/drawingml/2006/main" xmlns:r="http://schemas.openxmlformats.org/officeDocument/2006/relationships" xmlns:p="http://schemas.openxmlformats.org/presentationml/2006/main">
   <p:cSld>
@@ -10530,11 +12401,7 @@
           <a:p>
             <a:r>
               <a:rPr lang="bg-BG" dirty="0" smtClean="0"/>
-              <a:t>Резултати </a:t>
-            </a:r>
-            <a:r>
-              <a:rPr lang="bg-BG" dirty="0"/>
-              <a:t>от анализите</a:t>
+              <a:t>Реализация</a:t>
             </a:r>
             <a:endParaRPr lang="en-US" dirty="0"/>
           </a:p>
@@ -10544,28 +12411,22 @@
         <p:nvPicPr>
           <p:cNvPr id="5" name="Content Placeholder 4"/>
           <p:cNvPicPr>
-            <a:picLocks noGrp="1"/>
+            <a:picLocks noGrp="1" noChangeAspect="1"/>
           </p:cNvPicPr>
           <p:nvPr>
-            <p:ph sz="half" idx="1"/>
+            <p:ph idx="1"/>
           </p:nvPr>
         </p:nvPicPr>
         <p:blipFill>
-          <a:blip r:embed="rId2">
-            <a:extLst>
-              <a:ext uri="{28A0092B-C50C-407E-A947-70E740481C1C}">
-                <a14:useLocalDpi xmlns:a14="http://schemas.microsoft.com/office/drawing/2010/main" val="0"/>
-              </a:ext>
-            </a:extLst>
-          </a:blip>
+          <a:blip r:embed="rId3"/>
           <a:stretch>
             <a:fillRect/>
           </a:stretch>
         </p:blipFill>
         <p:spPr>
           <a:xfrm>
-            <a:off x="1097281" y="1845736"/>
-            <a:ext cx="4613708" cy="3897338"/>
+            <a:off x="2148504" y="1917556"/>
+            <a:ext cx="7955951" cy="4362032"/>
           </a:xfrm>
           <a:prstGeom prst="rect">
             <a:avLst/>
@@ -10574,70 +12435,6 @@
       </p:pic>
       <p:sp>
         <p:nvSpPr>
-          <p:cNvPr id="9" name="Content Placeholder 8"/>
-          <p:cNvSpPr>
-            <a:spLocks noGrp="1"/>
-          </p:cNvSpPr>
-          <p:nvPr>
-            <p:ph sz="half" idx="2"/>
-          </p:nvPr>
-        </p:nvSpPr>
-        <p:spPr/>
-        <p:txBody>
-          <a:bodyPr/>
-          <a:lstStyle/>
-          <a:p>
-            <a:pPr marL="457200" indent="-457200">
-              <a:buFont typeface="Wingdings" panose="05000000000000000000" pitchFamily="2" charset="2"/>
-              <a:buChar char="q"/>
-            </a:pPr>
-            <a:endParaRPr lang="en-US" dirty="0" smtClean="0"/>
-          </a:p>
-          <a:p>
-            <a:pPr marL="457200" indent="-457200">
-              <a:buFont typeface="Wingdings" panose="05000000000000000000" pitchFamily="2" charset="2"/>
-              <a:buChar char="q"/>
-            </a:pPr>
-            <a:r>
-              <a:rPr lang="ru-RU" dirty="0" smtClean="0"/>
-              <a:t>Присъствието на общините </a:t>
-            </a:r>
-            <a:r>
-              <a:rPr lang="ru-RU" dirty="0"/>
-              <a:t>, които имат Facebook присъствие </a:t>
-            </a:r>
-            <a:r>
-              <a:rPr lang="ru-RU" dirty="0" smtClean="0"/>
-              <a:t>се е увеличило рязко през 2016г.</a:t>
-            </a:r>
-            <a:endParaRPr lang="en-US" dirty="0" smtClean="0"/>
-          </a:p>
-          <a:p>
-            <a:pPr marL="457200" indent="-457200">
-              <a:lnSpc>
-                <a:spcPct val="150000"/>
-              </a:lnSpc>
-              <a:buFont typeface="Wingdings" panose="05000000000000000000" pitchFamily="2" charset="2"/>
-              <a:buChar char="q"/>
-            </a:pPr>
-            <a:r>
-              <a:rPr lang="en-US" dirty="0" err="1" smtClean="0"/>
-              <a:t>ToDo</a:t>
-            </a:r>
-            <a:r>
-              <a:rPr lang="en-US" dirty="0" smtClean="0"/>
-              <a:t>:</a:t>
-            </a:r>
-            <a:r>
-              <a:rPr lang="bg-BG" dirty="0" smtClean="0"/>
-              <a:t> Процент на общините, които имат присъствие</a:t>
-            </a:r>
-            <a:endParaRPr lang="en-US" dirty="0"/>
-          </a:p>
-        </p:txBody>
-      </p:sp>
-      <p:sp>
-        <p:nvSpPr>
           <p:cNvPr id="4" name="Slide Number Placeholder 3"/>
           <p:cNvSpPr>
             <a:spLocks noGrp="1"/>
@@ -10662,7 +12459,7 @@
     </p:spTree>
     <p:extLst>
       <p:ext uri="{BB962C8B-B14F-4D97-AF65-F5344CB8AC3E}">
-        <p14:creationId xmlns:p14="http://schemas.microsoft.com/office/powerpoint/2010/main" val="1226802448"/>
+        <p14:creationId xmlns:p14="http://schemas.microsoft.com/office/powerpoint/2010/main" val="182187068"/>
       </p:ext>
     </p:extLst>
   </p:cSld>
